--- a/Practicum 1 presentation.pptx
+++ b/Practicum 1 presentation.pptx
@@ -6,11 +6,19 @@
   </p:sldMasterIdLst>
   <p:sldIdLst>
     <p:sldId id="256" r:id="rId2"/>
-    <p:sldId id="257" r:id="rId3"/>
-    <p:sldId id="258" r:id="rId4"/>
-    <p:sldId id="259" r:id="rId5"/>
-    <p:sldId id="260" r:id="rId6"/>
-    <p:sldId id="261" r:id="rId7"/>
+    <p:sldId id="267" r:id="rId3"/>
+    <p:sldId id="257" r:id="rId4"/>
+    <p:sldId id="262" r:id="rId5"/>
+    <p:sldId id="263" r:id="rId6"/>
+    <p:sldId id="264" r:id="rId7"/>
+    <p:sldId id="258" r:id="rId8"/>
+    <p:sldId id="259" r:id="rId9"/>
+    <p:sldId id="268" r:id="rId10"/>
+    <p:sldId id="260" r:id="rId11"/>
+    <p:sldId id="265" r:id="rId12"/>
+    <p:sldId id="261" r:id="rId13"/>
+    <p:sldId id="266" r:id="rId14"/>
+    <p:sldId id="269" r:id="rId15"/>
   </p:sldIdLst>
   <p:sldSz cx="12192000" cy="6858000"/>
   <p:notesSz cx="6858000" cy="9144000"/>
@@ -109,6 +117,11 @@
       </a:defRPr>
     </a:lvl9pPr>
   </p:defaultTextStyle>
+  <p:extLst>
+    <p:ext uri="{EFAFB233-063F-42B5-8137-9DF3F51BA10A}">
+      <p15:sldGuideLst xmlns:p15="http://schemas.microsoft.com/office/powerpoint/2012/main"/>
+    </p:ext>
+  </p:extLst>
 </p:presentation>
 </file>
 
@@ -386,7 +399,7 @@
           <a:p>
             <a:fld id="{78ABE3C1-DBE1-495D-B57B-2849774B866A}" type="datetimeFigureOut">
               <a:rPr lang="en-US" dirty="0"/>
-              <a:t>6/8/2017</a:t>
+              <a:t>7/6/2017</a:t>
             </a:fld>
             <a:endParaRPr lang="en-US" dirty="0"/>
           </a:p>
@@ -795,7 +808,7 @@
           <a:p>
             <a:fld id="{446C117F-5CCF-4837-BE5F-2B92066CAFAF}" type="datetimeFigureOut">
               <a:rPr lang="en-US" dirty="0"/>
-              <a:t>6/8/2017</a:t>
+              <a:t>7/6/2017</a:t>
             </a:fld>
             <a:endParaRPr lang="en-US" dirty="0"/>
           </a:p>
@@ -1126,7 +1139,7 @@
           <a:p>
             <a:fld id="{84EB90BD-B6CE-46B7-997F-7313B992CCDC}" type="datetimeFigureOut">
               <a:rPr lang="en-US" dirty="0"/>
-              <a:t>6/8/2017</a:t>
+              <a:t>7/6/2017</a:t>
             </a:fld>
             <a:endParaRPr lang="en-US" dirty="0"/>
           </a:p>
@@ -1526,7 +1539,7 @@
           <a:p>
             <a:fld id="{CDB9D11F-B188-461D-B23F-39381795C052}" type="datetimeFigureOut">
               <a:rPr lang="en-US" dirty="0"/>
-              <a:t>6/8/2017</a:t>
+              <a:t>7/6/2017</a:t>
             </a:fld>
             <a:endParaRPr lang="en-US" dirty="0"/>
           </a:p>
@@ -2089,7 +2102,7 @@
           <a:p>
             <a:fld id="{52E6D8D9-55A2-4063-B0F3-121F44549695}" type="datetimeFigureOut">
               <a:rPr lang="en-US" dirty="0"/>
-              <a:t>6/8/2017</a:t>
+              <a:t>7/6/2017</a:t>
             </a:fld>
             <a:endParaRPr lang="en-US" dirty="0"/>
           </a:p>
@@ -2765,7 +2778,7 @@
           <a:p>
             <a:fld id="{D4B24536-994D-4021-A283-9F449C0DB509}" type="datetimeFigureOut">
               <a:rPr lang="en-US" dirty="0"/>
-              <a:t>6/8/2017</a:t>
+              <a:t>7/6/2017</a:t>
             </a:fld>
             <a:endParaRPr lang="en-US" dirty="0"/>
           </a:p>
@@ -3673,7 +3686,7 @@
           <a:p>
             <a:fld id="{3CBBBB78-C96F-47B7-AB17-D852CA960AC9}" type="datetimeFigureOut">
               <a:rPr lang="en-US" dirty="0"/>
-              <a:t>6/8/2017</a:t>
+              <a:t>7/6/2017</a:t>
             </a:fld>
             <a:endParaRPr lang="en-US" dirty="0"/>
           </a:p>
@@ -3981,7 +3994,7 @@
           <a:p>
             <a:fld id="{1FA3F48C-C7C6-4055-9F49-3777875E72AE}" type="datetimeFigureOut">
               <a:rPr lang="en-US" dirty="0"/>
-              <a:t>6/8/2017</a:t>
+              <a:t>7/6/2017</a:t>
             </a:fld>
             <a:endParaRPr lang="en-US" dirty="0"/>
           </a:p>
@@ -4240,7 +4253,7 @@
           <a:p>
             <a:fld id="{6178E61D-D431-422C-9764-11DAFE33AB63}" type="datetimeFigureOut">
               <a:rPr lang="en-US" dirty="0"/>
-              <a:t>6/8/2017</a:t>
+              <a:t>7/6/2017</a:t>
             </a:fld>
             <a:endParaRPr lang="en-US" dirty="0"/>
           </a:p>
@@ -4559,7 +4572,7 @@
           <a:p>
             <a:fld id="{12DE42F4-6EEF-4EF7-8ED4-2208F0F89A08}" type="datetimeFigureOut">
               <a:rPr lang="en-US" dirty="0"/>
-              <a:t>6/8/2017</a:t>
+              <a:t>7/6/2017</a:t>
             </a:fld>
             <a:endParaRPr lang="en-US" dirty="0"/>
           </a:p>
@@ -4943,7 +4956,7 @@
           <a:p>
             <a:fld id="{30578ACC-22D6-47C1-A373-4FD133E34F3C}" type="datetimeFigureOut">
               <a:rPr lang="en-US" dirty="0"/>
-              <a:t>6/8/2017</a:t>
+              <a:t>7/6/2017</a:t>
             </a:fld>
             <a:endParaRPr lang="en-US" dirty="0"/>
           </a:p>
@@ -5314,7 +5327,7 @@
           <a:p>
             <a:fld id="{4E5A6C69-6797-4E8A-BF37-F2C3751466E9}" type="datetimeFigureOut">
               <a:rPr lang="en-US" dirty="0"/>
-              <a:t>6/8/2017</a:t>
+              <a:t>7/6/2017</a:t>
             </a:fld>
             <a:endParaRPr lang="en-US" dirty="0"/>
           </a:p>
@@ -5815,7 +5828,7 @@
           <a:p>
             <a:fld id="{D82014A1-A632-4878-A0D3-F52BA7563730}" type="datetimeFigureOut">
               <a:rPr lang="en-US" dirty="0"/>
-              <a:t>6/8/2017</a:t>
+              <a:t>7/6/2017</a:t>
             </a:fld>
             <a:endParaRPr lang="en-US" dirty="0"/>
           </a:p>
@@ -6067,7 +6080,7 @@
           <a:p>
             <a:fld id="{CE99F462-093F-4566-844B-4C71F2739DA5}" type="datetimeFigureOut">
               <a:rPr lang="en-US" dirty="0"/>
-              <a:t>6/8/2017</a:t>
+              <a:t>7/6/2017</a:t>
             </a:fld>
             <a:endParaRPr lang="en-US" dirty="0"/>
           </a:p>
@@ -6225,7 +6238,7 @@
           <a:p>
             <a:fld id="{3D24A7AC-904D-4781-85BA-7D10C17ED021}" type="datetimeFigureOut">
               <a:rPr lang="en-US" dirty="0"/>
-              <a:t>6/8/2017</a:t>
+              <a:t>7/6/2017</a:t>
             </a:fld>
             <a:endParaRPr lang="en-US" dirty="0"/>
           </a:p>
@@ -6610,7 +6623,7 @@
           <a:p>
             <a:fld id="{E331444B-B92B-4E27-8C94-BB93EAF5CB18}" type="datetimeFigureOut">
               <a:rPr lang="en-US" dirty="0"/>
-              <a:t>6/8/2017</a:t>
+              <a:t>7/6/2017</a:t>
             </a:fld>
             <a:endParaRPr lang="en-US" dirty="0"/>
           </a:p>
@@ -7014,7 +7027,7 @@
           <a:p>
             <a:fld id="{363EFA5E-FA76-400D-B3DC-F0BA90E6D107}" type="datetimeFigureOut">
               <a:rPr lang="en-US" dirty="0"/>
-              <a:t>6/8/2017</a:t>
+              <a:t>7/6/2017</a:t>
             </a:fld>
             <a:endParaRPr lang="en-US" dirty="0"/>
           </a:p>
@@ -7253,7 +7266,7 @@
           <a:p>
             <a:fld id="{9D6E9DEC-419B-4CC5-A080-3B06BD5A8291}" type="datetimeFigureOut">
               <a:rPr lang="en-US" dirty="0"/>
-              <a:t>6/8/2017</a:t>
+              <a:t>7/6/2017</a:t>
             </a:fld>
             <a:endParaRPr lang="en-US" dirty="0"/>
           </a:p>
@@ -7681,39 +7694,24 @@
           <a:bodyPr/>
           <a:lstStyle/>
           <a:p>
+            <a:pPr algn="ctr"/>
             <a:r>
               <a:rPr lang="en-US" sz="4400" b="1" dirty="0"/>
-              <a:t>Wearable Technology’s </a:t>
+              <a:t>Using wearable technology</a:t>
             </a:r>
             <a:br>
               <a:rPr lang="en-US" sz="4400" b="1" dirty="0"/>
             </a:br>
             <a:r>
               <a:rPr lang="en-US" sz="4400" b="1" dirty="0"/>
-              <a:t>Potential</a:t>
-            </a:r>
-            <a:r>
-              <a:rPr lang="en-US" sz="4400" dirty="0"/>
-              <a:t> </a:t>
-            </a:r>
-            <a:r>
-              <a:rPr lang="en-US" sz="4400" b="1" dirty="0"/>
-              <a:t>to Identify </a:t>
+              <a:t>and machine learning</a:t>
             </a:r>
             <a:br>
               <a:rPr lang="en-US" sz="4400" b="1" dirty="0"/>
             </a:br>
             <a:r>
               <a:rPr lang="en-US" sz="4400" b="1" dirty="0"/>
-              <a:t>Symptom Triggers in</a:t>
-            </a:r>
-            <a:r>
-              <a:rPr lang="en-US" sz="4400" dirty="0"/>
-              <a:t> </a:t>
-            </a:r>
-            <a:r>
-              <a:rPr lang="en-US" sz="4400" b="1" dirty="0"/>
-              <a:t>POTS</a:t>
+              <a:t>to garner insight to POTS</a:t>
             </a:r>
             <a:endParaRPr lang="en-US" sz="4400" dirty="0">
               <a:effectLst/>
@@ -7747,6 +7745,570 @@
     <p:extLst>
       <p:ext uri="{BB962C8B-B14F-4D97-AF65-F5344CB8AC3E}">
         <p14:creationId xmlns:p14="http://schemas.microsoft.com/office/powerpoint/2010/main" val="2341016296"/>
+      </p:ext>
+    </p:extLst>
+  </p:cSld>
+  <p:clrMapOvr>
+    <a:masterClrMapping/>
+  </p:clrMapOvr>
+</p:sld>
+</file>
+
+<file path=ppt/slides/slide10.xml><?xml version="1.0" encoding="utf-8"?>
+<p:sld xmlns:a="http://schemas.openxmlformats.org/drawingml/2006/main" xmlns:r="http://schemas.openxmlformats.org/officeDocument/2006/relationships" xmlns:p="http://schemas.openxmlformats.org/presentationml/2006/main">
+  <p:cSld>
+    <p:spTree>
+      <p:nvGrpSpPr>
+        <p:cNvPr id="1" name=""/>
+        <p:cNvGrpSpPr/>
+        <p:nvPr/>
+      </p:nvGrpSpPr>
+      <p:grpSpPr>
+        <a:xfrm>
+          <a:off x="0" y="0"/>
+          <a:ext cx="0" cy="0"/>
+          <a:chOff x="0" y="0"/>
+          <a:chExt cx="0" cy="0"/>
+        </a:xfrm>
+      </p:grpSpPr>
+      <p:sp>
+        <p:nvSpPr>
+          <p:cNvPr id="2" name="Title 1"/>
+          <p:cNvSpPr>
+            <a:spLocks noGrp="1"/>
+          </p:cNvSpPr>
+          <p:nvPr>
+            <p:ph type="title"/>
+          </p:nvPr>
+        </p:nvSpPr>
+        <p:spPr/>
+        <p:txBody>
+          <a:bodyPr/>
+          <a:lstStyle/>
+          <a:p>
+            <a:r>
+              <a:rPr lang="en-US" dirty="0"/>
+              <a:t>Importance of Work</a:t>
+            </a:r>
+          </a:p>
+        </p:txBody>
+      </p:sp>
+      <p:sp>
+        <p:nvSpPr>
+          <p:cNvPr id="3" name="Content Placeholder 2"/>
+          <p:cNvSpPr>
+            <a:spLocks noGrp="1"/>
+          </p:cNvSpPr>
+          <p:nvPr>
+            <p:ph sz="half" idx="1"/>
+          </p:nvPr>
+        </p:nvSpPr>
+        <p:spPr/>
+        <p:txBody>
+          <a:bodyPr>
+            <a:normAutofit/>
+          </a:bodyPr>
+          <a:lstStyle/>
+          <a:p>
+            <a:r>
+              <a:rPr lang="en-US" dirty="0"/>
+              <a:t>0.2% of the population is estimated to be affected by this condition – about 500,000 people in the US alone</a:t>
+            </a:r>
+          </a:p>
+          <a:p>
+            <a:r>
+              <a:rPr lang="en-US" dirty="0"/>
+              <a:t>25% of patients are disabled to the point of being unable to work</a:t>
+            </a:r>
+          </a:p>
+        </p:txBody>
+      </p:sp>
+      <p:sp>
+        <p:nvSpPr>
+          <p:cNvPr id="4" name="Content Placeholder 3"/>
+          <p:cNvSpPr>
+            <a:spLocks noGrp="1"/>
+          </p:cNvSpPr>
+          <p:nvPr>
+            <p:ph sz="half" idx="2"/>
+          </p:nvPr>
+        </p:nvSpPr>
+        <p:spPr/>
+        <p:txBody>
+          <a:bodyPr>
+            <a:normAutofit/>
+          </a:bodyPr>
+          <a:lstStyle/>
+          <a:p>
+            <a:r>
+              <a:rPr lang="en-US" dirty="0"/>
+              <a:t>Current treatment is limited to trial and error, and is poorly quantified – feeling better or worse without hard measurements</a:t>
+            </a:r>
+          </a:p>
+          <a:p>
+            <a:r>
+              <a:rPr lang="en-US" dirty="0"/>
+              <a:t>Current treatment has no long term studies on viability or effects – no FDA approved medication for this syndrome</a:t>
+            </a:r>
+          </a:p>
+        </p:txBody>
+      </p:sp>
+    </p:spTree>
+    <p:extLst>
+      <p:ext uri="{BB962C8B-B14F-4D97-AF65-F5344CB8AC3E}">
+        <p14:creationId xmlns:p14="http://schemas.microsoft.com/office/powerpoint/2010/main" val="3013585068"/>
+      </p:ext>
+    </p:extLst>
+  </p:cSld>
+  <p:clrMapOvr>
+    <a:masterClrMapping/>
+  </p:clrMapOvr>
+</p:sld>
+</file>
+
+<file path=ppt/slides/slide11.xml><?xml version="1.0" encoding="utf-8"?>
+<p:sld xmlns:a="http://schemas.openxmlformats.org/drawingml/2006/main" xmlns:r="http://schemas.openxmlformats.org/officeDocument/2006/relationships" xmlns:p="http://schemas.openxmlformats.org/presentationml/2006/main">
+  <p:cSld>
+    <p:spTree>
+      <p:nvGrpSpPr>
+        <p:cNvPr id="1" name=""/>
+        <p:cNvGrpSpPr/>
+        <p:nvPr/>
+      </p:nvGrpSpPr>
+      <p:grpSpPr>
+        <a:xfrm>
+          <a:off x="0" y="0"/>
+          <a:ext cx="0" cy="0"/>
+          <a:chOff x="0" y="0"/>
+          <a:chExt cx="0" cy="0"/>
+        </a:xfrm>
+      </p:grpSpPr>
+      <p:sp>
+        <p:nvSpPr>
+          <p:cNvPr id="2" name="Title 1"/>
+          <p:cNvSpPr>
+            <a:spLocks noGrp="1"/>
+          </p:cNvSpPr>
+          <p:nvPr>
+            <p:ph type="title"/>
+          </p:nvPr>
+        </p:nvSpPr>
+        <p:spPr/>
+        <p:txBody>
+          <a:bodyPr/>
+          <a:lstStyle/>
+          <a:p>
+            <a:r>
+              <a:rPr lang="en-US" dirty="0"/>
+              <a:t>Importance of Work cont.</a:t>
+            </a:r>
+          </a:p>
+        </p:txBody>
+      </p:sp>
+      <p:sp>
+        <p:nvSpPr>
+          <p:cNvPr id="3" name="Content Placeholder 2"/>
+          <p:cNvSpPr>
+            <a:spLocks noGrp="1"/>
+          </p:cNvSpPr>
+          <p:nvPr>
+            <p:ph sz="half" idx="1"/>
+          </p:nvPr>
+        </p:nvSpPr>
+        <p:spPr/>
+        <p:txBody>
+          <a:bodyPr>
+            <a:normAutofit lnSpcReduction="10000"/>
+          </a:bodyPr>
+          <a:lstStyle/>
+          <a:p>
+            <a:r>
+              <a:rPr lang="en-US" dirty="0"/>
+              <a:t>Potential proof of concept</a:t>
+            </a:r>
+          </a:p>
+          <a:p>
+            <a:r>
+              <a:rPr lang="en-US" dirty="0"/>
+              <a:t>If observational and quantitative methods are proven viable using commercial wearable technology this technique could be expanded to medical experiments into medication</a:t>
+            </a:r>
+          </a:p>
+        </p:txBody>
+      </p:sp>
+      <p:sp>
+        <p:nvSpPr>
+          <p:cNvPr id="4" name="Content Placeholder 3"/>
+          <p:cNvSpPr>
+            <a:spLocks noGrp="1"/>
+          </p:cNvSpPr>
+          <p:nvPr>
+            <p:ph sz="half" idx="2"/>
+          </p:nvPr>
+        </p:nvSpPr>
+        <p:spPr/>
+        <p:txBody>
+          <a:bodyPr>
+            <a:normAutofit lnSpcReduction="10000"/>
+          </a:bodyPr>
+          <a:lstStyle/>
+          <a:p>
+            <a:r>
+              <a:rPr lang="en-US" dirty="0"/>
+              <a:t>If associations and patterns are identified and a model can be built to predict symptoms, these identified factors can be used to guide additional research into the underlying mechanisms</a:t>
+            </a:r>
+          </a:p>
+          <a:p>
+            <a:r>
+              <a:rPr lang="en-US" dirty="0"/>
+              <a:t>Potential cost saving method in conduction observational studies and research experiments</a:t>
+            </a:r>
+          </a:p>
+        </p:txBody>
+      </p:sp>
+    </p:spTree>
+    <p:extLst>
+      <p:ext uri="{BB962C8B-B14F-4D97-AF65-F5344CB8AC3E}">
+        <p14:creationId xmlns:p14="http://schemas.microsoft.com/office/powerpoint/2010/main" val="3325926129"/>
+      </p:ext>
+    </p:extLst>
+  </p:cSld>
+  <p:clrMapOvr>
+    <a:masterClrMapping/>
+  </p:clrMapOvr>
+</p:sld>
+</file>
+
+<file path=ppt/slides/slide12.xml><?xml version="1.0" encoding="utf-8"?>
+<p:sld xmlns:a="http://schemas.openxmlformats.org/drawingml/2006/main" xmlns:r="http://schemas.openxmlformats.org/officeDocument/2006/relationships" xmlns:p="http://schemas.openxmlformats.org/presentationml/2006/main">
+  <p:cSld>
+    <p:spTree>
+      <p:nvGrpSpPr>
+        <p:cNvPr id="1" name=""/>
+        <p:cNvGrpSpPr/>
+        <p:nvPr/>
+      </p:nvGrpSpPr>
+      <p:grpSpPr>
+        <a:xfrm>
+          <a:off x="0" y="0"/>
+          <a:ext cx="0" cy="0"/>
+          <a:chOff x="0" y="0"/>
+          <a:chExt cx="0" cy="0"/>
+        </a:xfrm>
+      </p:grpSpPr>
+      <p:sp>
+        <p:nvSpPr>
+          <p:cNvPr id="2" name="Title 1"/>
+          <p:cNvSpPr>
+            <a:spLocks noGrp="1"/>
+          </p:cNvSpPr>
+          <p:nvPr>
+            <p:ph type="title"/>
+          </p:nvPr>
+        </p:nvSpPr>
+        <p:spPr/>
+        <p:txBody>
+          <a:bodyPr/>
+          <a:lstStyle/>
+          <a:p>
+            <a:r>
+              <a:rPr lang="en-US" dirty="0"/>
+              <a:t>Potential Challenges</a:t>
+            </a:r>
+          </a:p>
+        </p:txBody>
+      </p:sp>
+      <p:sp>
+        <p:nvSpPr>
+          <p:cNvPr id="3" name="Content Placeholder 2"/>
+          <p:cNvSpPr>
+            <a:spLocks noGrp="1"/>
+          </p:cNvSpPr>
+          <p:nvPr>
+            <p:ph sz="half" idx="1"/>
+          </p:nvPr>
+        </p:nvSpPr>
+        <p:spPr/>
+        <p:txBody>
+          <a:bodyPr/>
+          <a:lstStyle/>
+          <a:p>
+            <a:r>
+              <a:rPr lang="en-US" dirty="0"/>
+              <a:t>Accuracy</a:t>
+            </a:r>
+          </a:p>
+          <a:p>
+            <a:r>
+              <a:rPr lang="en-US" dirty="0"/>
+              <a:t>Missing data</a:t>
+            </a:r>
+          </a:p>
+          <a:p>
+            <a:r>
+              <a:rPr lang="en-US" dirty="0"/>
+              <a:t>Acceptance of the medical community</a:t>
+            </a:r>
+          </a:p>
+          <a:p>
+            <a:r>
+              <a:rPr lang="en-US" dirty="0"/>
+              <a:t>Limited scope – single patient study</a:t>
+            </a:r>
+          </a:p>
+          <a:p>
+            <a:r>
+              <a:rPr lang="en-US" dirty="0"/>
+              <a:t>Limited medical knowledge of the involved researchers</a:t>
+            </a:r>
+          </a:p>
+        </p:txBody>
+      </p:sp>
+      <p:sp>
+        <p:nvSpPr>
+          <p:cNvPr id="4" name="Content Placeholder 3"/>
+          <p:cNvSpPr>
+            <a:spLocks noGrp="1"/>
+          </p:cNvSpPr>
+          <p:nvPr>
+            <p:ph sz="half" idx="2"/>
+          </p:nvPr>
+        </p:nvSpPr>
+        <p:spPr/>
+        <p:txBody>
+          <a:bodyPr/>
+          <a:lstStyle/>
+          <a:p>
+            <a:endParaRPr lang="en-US" dirty="0"/>
+          </a:p>
+        </p:txBody>
+      </p:sp>
+    </p:spTree>
+    <p:extLst>
+      <p:ext uri="{BB962C8B-B14F-4D97-AF65-F5344CB8AC3E}">
+        <p14:creationId xmlns:p14="http://schemas.microsoft.com/office/powerpoint/2010/main" val="255266319"/>
+      </p:ext>
+    </p:extLst>
+  </p:cSld>
+  <p:clrMapOvr>
+    <a:masterClrMapping/>
+  </p:clrMapOvr>
+</p:sld>
+</file>
+
+<file path=ppt/slides/slide13.xml><?xml version="1.0" encoding="utf-8"?>
+<p:sld xmlns:a="http://schemas.openxmlformats.org/drawingml/2006/main" xmlns:r="http://schemas.openxmlformats.org/officeDocument/2006/relationships" xmlns:p="http://schemas.openxmlformats.org/presentationml/2006/main">
+  <p:cSld>
+    <p:spTree>
+      <p:nvGrpSpPr>
+        <p:cNvPr id="1" name=""/>
+        <p:cNvGrpSpPr/>
+        <p:nvPr/>
+      </p:nvGrpSpPr>
+      <p:grpSpPr>
+        <a:xfrm>
+          <a:off x="0" y="0"/>
+          <a:ext cx="0" cy="0"/>
+          <a:chOff x="0" y="0"/>
+          <a:chExt cx="0" cy="0"/>
+        </a:xfrm>
+      </p:grpSpPr>
+      <p:sp>
+        <p:nvSpPr>
+          <p:cNvPr id="2" name="Title 1"/>
+          <p:cNvSpPr>
+            <a:spLocks noGrp="1"/>
+          </p:cNvSpPr>
+          <p:nvPr>
+            <p:ph type="title"/>
+          </p:nvPr>
+        </p:nvSpPr>
+        <p:spPr/>
+        <p:txBody>
+          <a:bodyPr/>
+          <a:lstStyle/>
+          <a:p>
+            <a:r>
+              <a:rPr lang="en-US" dirty="0"/>
+              <a:t>Future Work</a:t>
+            </a:r>
+          </a:p>
+        </p:txBody>
+      </p:sp>
+      <p:sp>
+        <p:nvSpPr>
+          <p:cNvPr id="3" name="Content Placeholder 2"/>
+          <p:cNvSpPr>
+            <a:spLocks noGrp="1"/>
+          </p:cNvSpPr>
+          <p:nvPr>
+            <p:ph sz="half" idx="1"/>
+          </p:nvPr>
+        </p:nvSpPr>
+        <p:spPr/>
+        <p:txBody>
+          <a:bodyPr>
+            <a:normAutofit lnSpcReduction="10000"/>
+          </a:bodyPr>
+          <a:lstStyle/>
+          <a:p>
+            <a:r>
+              <a:rPr lang="en-US" dirty="0"/>
+              <a:t>Collaborate with experts in the fields of wearable technology and POTS</a:t>
+            </a:r>
+          </a:p>
+          <a:p>
+            <a:r>
+              <a:rPr lang="en-US" dirty="0"/>
+              <a:t>Expand study to a cohort of POTS volunteers to determine whether findings are generalizable to the larger POTS population or subgroups within the population</a:t>
+            </a:r>
+          </a:p>
+          <a:p>
+            <a:r>
+              <a:rPr lang="en-US" dirty="0"/>
+              <a:t>Recruit volunteer control subjects</a:t>
+            </a:r>
+          </a:p>
+        </p:txBody>
+      </p:sp>
+      <p:sp>
+        <p:nvSpPr>
+          <p:cNvPr id="4" name="Content Placeholder 3"/>
+          <p:cNvSpPr>
+            <a:spLocks noGrp="1"/>
+          </p:cNvSpPr>
+          <p:nvPr>
+            <p:ph sz="half" idx="2"/>
+          </p:nvPr>
+        </p:nvSpPr>
+        <p:spPr/>
+        <p:txBody>
+          <a:bodyPr>
+            <a:normAutofit lnSpcReduction="10000"/>
+          </a:bodyPr>
+          <a:lstStyle/>
+          <a:p>
+            <a:r>
+              <a:rPr lang="en-US" dirty="0"/>
+              <a:t>Identify devices that capture continuous heart rate</a:t>
+            </a:r>
+          </a:p>
+          <a:p>
+            <a:r>
+              <a:rPr lang="en-US" dirty="0"/>
+              <a:t>Address concerns of cross device and cross platform comparability</a:t>
+            </a:r>
+          </a:p>
+          <a:p>
+            <a:r>
+              <a:rPr lang="en-US" dirty="0"/>
+              <a:t>Build an app to capture data of cohort and controls if necessary</a:t>
+            </a:r>
+          </a:p>
+          <a:p>
+            <a:r>
+              <a:rPr lang="en-US" dirty="0"/>
+              <a:t>Build parser to load data into a database if necessary</a:t>
+            </a:r>
+          </a:p>
+          <a:p>
+            <a:endParaRPr lang="en-US" dirty="0"/>
+          </a:p>
+        </p:txBody>
+      </p:sp>
+    </p:spTree>
+    <p:extLst>
+      <p:ext uri="{BB962C8B-B14F-4D97-AF65-F5344CB8AC3E}">
+        <p14:creationId xmlns:p14="http://schemas.microsoft.com/office/powerpoint/2010/main" val="2952238927"/>
+      </p:ext>
+    </p:extLst>
+  </p:cSld>
+  <p:clrMapOvr>
+    <a:masterClrMapping/>
+  </p:clrMapOvr>
+</p:sld>
+</file>
+
+<file path=ppt/slides/slide14.xml><?xml version="1.0" encoding="utf-8"?>
+<p:sld xmlns:a="http://schemas.openxmlformats.org/drawingml/2006/main" xmlns:r="http://schemas.openxmlformats.org/officeDocument/2006/relationships" xmlns:p="http://schemas.openxmlformats.org/presentationml/2006/main">
+  <p:cSld>
+    <p:spTree>
+      <p:nvGrpSpPr>
+        <p:cNvPr id="1" name=""/>
+        <p:cNvGrpSpPr/>
+        <p:nvPr/>
+      </p:nvGrpSpPr>
+      <p:grpSpPr>
+        <a:xfrm>
+          <a:off x="0" y="0"/>
+          <a:ext cx="0" cy="0"/>
+          <a:chOff x="0" y="0"/>
+          <a:chExt cx="0" cy="0"/>
+        </a:xfrm>
+      </p:grpSpPr>
+      <p:sp>
+        <p:nvSpPr>
+          <p:cNvPr id="2" name="Title 1"/>
+          <p:cNvSpPr>
+            <a:spLocks noGrp="1"/>
+          </p:cNvSpPr>
+          <p:nvPr>
+            <p:ph type="title"/>
+          </p:nvPr>
+        </p:nvSpPr>
+        <p:spPr/>
+        <p:txBody>
+          <a:bodyPr/>
+          <a:lstStyle/>
+          <a:p>
+            <a:r>
+              <a:rPr lang="en-US" dirty="0"/>
+              <a:t>Conclusion</a:t>
+            </a:r>
+          </a:p>
+        </p:txBody>
+      </p:sp>
+      <p:sp>
+        <p:nvSpPr>
+          <p:cNvPr id="3" name="Content Placeholder 2"/>
+          <p:cNvSpPr>
+            <a:spLocks noGrp="1"/>
+          </p:cNvSpPr>
+          <p:nvPr>
+            <p:ph sz="half" idx="1"/>
+          </p:nvPr>
+        </p:nvSpPr>
+        <p:spPr/>
+        <p:txBody>
+          <a:bodyPr/>
+          <a:lstStyle/>
+          <a:p>
+            <a:endParaRPr lang="en-US"/>
+          </a:p>
+        </p:txBody>
+      </p:sp>
+      <p:sp>
+        <p:nvSpPr>
+          <p:cNvPr id="4" name="Content Placeholder 3"/>
+          <p:cNvSpPr>
+            <a:spLocks noGrp="1"/>
+          </p:cNvSpPr>
+          <p:nvPr>
+            <p:ph sz="half" idx="2"/>
+          </p:nvPr>
+        </p:nvSpPr>
+        <p:spPr/>
+        <p:txBody>
+          <a:bodyPr/>
+          <a:lstStyle/>
+          <a:p>
+            <a:endParaRPr lang="en-US"/>
+          </a:p>
+        </p:txBody>
+      </p:sp>
+    </p:spTree>
+    <p:extLst>
+      <p:ext uri="{BB962C8B-B14F-4D97-AF65-F5344CB8AC3E}">
+        <p14:creationId xmlns:p14="http://schemas.microsoft.com/office/powerpoint/2010/main" val="1889395506"/>
       </p:ext>
     </p:extLst>
   </p:cSld>
@@ -7790,7 +8352,7 @@
           <a:p>
             <a:r>
               <a:rPr lang="en-US" dirty="0"/>
-              <a:t>Research Question</a:t>
+              <a:t>Executive Summary</a:t>
             </a:r>
           </a:p>
         </p:txBody>
@@ -7810,18 +8372,7 @@
           <a:bodyPr/>
           <a:lstStyle/>
           <a:p>
-            <a:r>
-              <a:rPr lang="en-US" dirty="0"/>
-              <a:t>Can commercially available devices provide detailed enough data to detect POTS symptoms and can that data be accessed </a:t>
-            </a:r>
-            <a:r>
-              <a:rPr lang="en-US" dirty="0" err="1"/>
-              <a:t>publically</a:t>
-            </a:r>
-            <a:r>
-              <a:rPr lang="en-US" dirty="0"/>
-              <a:t>?</a:t>
-            </a:r>
+            <a:endParaRPr lang="en-US" dirty="0"/>
           </a:p>
         </p:txBody>
       </p:sp>
@@ -7840,20 +8391,14 @@
           <a:bodyPr/>
           <a:lstStyle/>
           <a:p>
-            <a:r>
-              <a:rPr lang="en-US" dirty="0"/>
-              <a:t>Once data is obtained can it be analyzed and correlated with other information to identify symptom triggers?</a:t>
-            </a:r>
-          </a:p>
-          <a:p>
-            <a:endParaRPr lang="en-US" dirty="0"/>
+            <a:endParaRPr lang="en-US"/>
           </a:p>
         </p:txBody>
       </p:sp>
     </p:spTree>
     <p:extLst>
       <p:ext uri="{BB962C8B-B14F-4D97-AF65-F5344CB8AC3E}">
-        <p14:creationId xmlns:p14="http://schemas.microsoft.com/office/powerpoint/2010/main" val="2500533039"/>
+        <p14:creationId xmlns:p14="http://schemas.microsoft.com/office/powerpoint/2010/main" val="4217988889"/>
       </p:ext>
     </p:extLst>
   </p:cSld>
@@ -7897,7 +8442,544 @@
           <a:p>
             <a:r>
               <a:rPr lang="en-US" dirty="0"/>
-              <a:t>Background/Introduction</a:t>
+              <a:t>Research Question</a:t>
+            </a:r>
+          </a:p>
+        </p:txBody>
+      </p:sp>
+      <p:sp>
+        <p:nvSpPr>
+          <p:cNvPr id="3" name="Content Placeholder 2"/>
+          <p:cNvSpPr>
+            <a:spLocks noGrp="1"/>
+          </p:cNvSpPr>
+          <p:nvPr>
+            <p:ph sz="half" idx="1"/>
+          </p:nvPr>
+        </p:nvSpPr>
+        <p:spPr/>
+        <p:txBody>
+          <a:bodyPr/>
+          <a:lstStyle/>
+          <a:p>
+            <a:r>
+              <a:rPr lang="en-US" dirty="0"/>
+              <a:t>Observational study of data obtained via fitness tracker to determine associations and patterns of POTS symptoms</a:t>
+            </a:r>
+          </a:p>
+          <a:p>
+            <a:r>
+              <a:rPr lang="en-US" dirty="0"/>
+              <a:t>Can commercially available devices provide detailed enough data to detect POTS symptoms?</a:t>
+            </a:r>
+          </a:p>
+        </p:txBody>
+      </p:sp>
+      <p:sp>
+        <p:nvSpPr>
+          <p:cNvPr id="4" name="Content Placeholder 3"/>
+          <p:cNvSpPr>
+            <a:spLocks noGrp="1"/>
+          </p:cNvSpPr>
+          <p:nvPr>
+            <p:ph sz="half" idx="2"/>
+          </p:nvPr>
+        </p:nvSpPr>
+        <p:spPr/>
+        <p:txBody>
+          <a:bodyPr/>
+          <a:lstStyle/>
+          <a:p>
+            <a:r>
+              <a:rPr lang="en-US" dirty="0"/>
+              <a:t>Can statistical analysis and machine learning be used to identify factors that will predict symptoms of POTS</a:t>
+            </a:r>
+          </a:p>
+          <a:p>
+            <a:endParaRPr lang="en-US" dirty="0"/>
+          </a:p>
+        </p:txBody>
+      </p:sp>
+    </p:spTree>
+    <p:extLst>
+      <p:ext uri="{BB962C8B-B14F-4D97-AF65-F5344CB8AC3E}">
+        <p14:creationId xmlns:p14="http://schemas.microsoft.com/office/powerpoint/2010/main" val="2500533039"/>
+      </p:ext>
+    </p:extLst>
+  </p:cSld>
+  <p:clrMapOvr>
+    <a:masterClrMapping/>
+  </p:clrMapOvr>
+</p:sld>
+</file>
+
+<file path=ppt/slides/slide4.xml><?xml version="1.0" encoding="utf-8"?>
+<p:sld xmlns:a="http://schemas.openxmlformats.org/drawingml/2006/main" xmlns:r="http://schemas.openxmlformats.org/officeDocument/2006/relationships" xmlns:p="http://schemas.openxmlformats.org/presentationml/2006/main">
+  <p:cSld>
+    <p:spTree>
+      <p:nvGrpSpPr>
+        <p:cNvPr id="1" name=""/>
+        <p:cNvGrpSpPr/>
+        <p:nvPr/>
+      </p:nvGrpSpPr>
+      <p:grpSpPr>
+        <a:xfrm>
+          <a:off x="0" y="0"/>
+          <a:ext cx="0" cy="0"/>
+          <a:chOff x="0" y="0"/>
+          <a:chExt cx="0" cy="0"/>
+        </a:xfrm>
+      </p:grpSpPr>
+      <p:sp>
+        <p:nvSpPr>
+          <p:cNvPr id="2" name="Title 1"/>
+          <p:cNvSpPr>
+            <a:spLocks noGrp="1"/>
+          </p:cNvSpPr>
+          <p:nvPr>
+            <p:ph type="title"/>
+          </p:nvPr>
+        </p:nvSpPr>
+        <p:spPr/>
+        <p:txBody>
+          <a:bodyPr/>
+          <a:lstStyle/>
+          <a:p>
+            <a:r>
+              <a:rPr lang="en-US" dirty="0"/>
+              <a:t>Background</a:t>
+            </a:r>
+          </a:p>
+        </p:txBody>
+      </p:sp>
+      <p:sp>
+        <p:nvSpPr>
+          <p:cNvPr id="3" name="Content Placeholder 2"/>
+          <p:cNvSpPr>
+            <a:spLocks noGrp="1"/>
+          </p:cNvSpPr>
+          <p:nvPr>
+            <p:ph sz="half" idx="1"/>
+          </p:nvPr>
+        </p:nvSpPr>
+        <p:spPr/>
+        <p:txBody>
+          <a:bodyPr>
+            <a:normAutofit lnSpcReduction="10000"/>
+          </a:bodyPr>
+          <a:lstStyle/>
+          <a:p>
+            <a:r>
+              <a:rPr lang="en-US" dirty="0"/>
+              <a:t>Symptoms started June 2010</a:t>
+            </a:r>
+          </a:p>
+          <a:p>
+            <a:r>
+              <a:rPr lang="en-US" dirty="0"/>
+              <a:t>Official correct diagnosis October 2013</a:t>
+            </a:r>
+          </a:p>
+          <a:p>
+            <a:r>
+              <a:rPr lang="en-US" dirty="0"/>
+              <a:t>Challenges of POTS</a:t>
+            </a:r>
+          </a:p>
+          <a:p>
+            <a:pPr lvl="1"/>
+            <a:r>
+              <a:rPr lang="en-US" dirty="0"/>
+              <a:t>Underlying physiology not well understood</a:t>
+            </a:r>
+          </a:p>
+          <a:p>
+            <a:pPr lvl="1"/>
+            <a:r>
+              <a:rPr lang="en-US" dirty="0"/>
+              <a:t>Sparsity of research surrounding symptoms and symptom management</a:t>
+            </a:r>
+          </a:p>
+          <a:p>
+            <a:pPr lvl="1"/>
+            <a:r>
+              <a:rPr lang="en-US" dirty="0"/>
+              <a:t>Lack of tools and FDA approved medication</a:t>
+            </a:r>
+          </a:p>
+        </p:txBody>
+      </p:sp>
+      <p:sp>
+        <p:nvSpPr>
+          <p:cNvPr id="4" name="Content Placeholder 3"/>
+          <p:cNvSpPr>
+            <a:spLocks noGrp="1"/>
+          </p:cNvSpPr>
+          <p:nvPr>
+            <p:ph sz="half" idx="2"/>
+          </p:nvPr>
+        </p:nvSpPr>
+        <p:spPr/>
+        <p:txBody>
+          <a:bodyPr>
+            <a:normAutofit lnSpcReduction="10000"/>
+          </a:bodyPr>
+          <a:lstStyle/>
+          <a:p>
+            <a:endParaRPr lang="en-US" dirty="0"/>
+          </a:p>
+        </p:txBody>
+      </p:sp>
+    </p:spTree>
+    <p:extLst>
+      <p:ext uri="{BB962C8B-B14F-4D97-AF65-F5344CB8AC3E}">
+        <p14:creationId xmlns:p14="http://schemas.microsoft.com/office/powerpoint/2010/main" val="1503698695"/>
+      </p:ext>
+    </p:extLst>
+  </p:cSld>
+  <p:clrMapOvr>
+    <a:masterClrMapping/>
+  </p:clrMapOvr>
+</p:sld>
+</file>
+
+<file path=ppt/slides/slide5.xml><?xml version="1.0" encoding="utf-8"?>
+<p:sld xmlns:a="http://schemas.openxmlformats.org/drawingml/2006/main" xmlns:r="http://schemas.openxmlformats.org/officeDocument/2006/relationships" xmlns:p="http://schemas.openxmlformats.org/presentationml/2006/main">
+  <p:cSld>
+    <p:spTree>
+      <p:nvGrpSpPr>
+        <p:cNvPr id="1" name=""/>
+        <p:cNvGrpSpPr/>
+        <p:nvPr/>
+      </p:nvGrpSpPr>
+      <p:grpSpPr>
+        <a:xfrm>
+          <a:off x="0" y="0"/>
+          <a:ext cx="0" cy="0"/>
+          <a:chOff x="0" y="0"/>
+          <a:chExt cx="0" cy="0"/>
+        </a:xfrm>
+      </p:grpSpPr>
+      <p:sp>
+        <p:nvSpPr>
+          <p:cNvPr id="2" name="Title 1"/>
+          <p:cNvSpPr>
+            <a:spLocks noGrp="1"/>
+          </p:cNvSpPr>
+          <p:nvPr>
+            <p:ph type="title"/>
+          </p:nvPr>
+        </p:nvSpPr>
+        <p:spPr/>
+        <p:txBody>
+          <a:bodyPr/>
+          <a:lstStyle/>
+          <a:p>
+            <a:r>
+              <a:rPr lang="en-US" dirty="0"/>
+              <a:t>Background cont.</a:t>
+            </a:r>
+          </a:p>
+        </p:txBody>
+      </p:sp>
+      <p:sp>
+        <p:nvSpPr>
+          <p:cNvPr id="3" name="Content Placeholder 2"/>
+          <p:cNvSpPr>
+            <a:spLocks noGrp="1"/>
+          </p:cNvSpPr>
+          <p:nvPr>
+            <p:ph sz="half" idx="1"/>
+          </p:nvPr>
+        </p:nvSpPr>
+        <p:spPr/>
+        <p:txBody>
+          <a:bodyPr>
+            <a:normAutofit fontScale="92500"/>
+          </a:bodyPr>
+          <a:lstStyle/>
+          <a:p>
+            <a:r>
+              <a:rPr lang="en-US" dirty="0"/>
+              <a:t>Real time monitoring started with a cheap Wal-Mart watch several years ago</a:t>
+            </a:r>
+          </a:p>
+          <a:p>
+            <a:r>
+              <a:rPr lang="en-US" dirty="0"/>
+              <a:t>Quantifiable observations</a:t>
+            </a:r>
+          </a:p>
+          <a:p>
+            <a:pPr lvl="1"/>
+            <a:r>
+              <a:rPr lang="en-US" dirty="0"/>
+              <a:t>HRs in the 90s are a precursor to more serious symptoms</a:t>
+            </a:r>
+          </a:p>
+          <a:p>
+            <a:pPr lvl="1"/>
+            <a:r>
+              <a:rPr lang="en-US" dirty="0"/>
+              <a:t>Serious symptoms generally occur with HRs in the 100s</a:t>
+            </a:r>
+          </a:p>
+          <a:p>
+            <a:pPr lvl="1"/>
+            <a:r>
+              <a:rPr lang="en-US" dirty="0"/>
+              <a:t>Chest pain and palpations don’t always require high HR</a:t>
+            </a:r>
+          </a:p>
+          <a:p>
+            <a:endParaRPr lang="en-US" dirty="0"/>
+          </a:p>
+        </p:txBody>
+      </p:sp>
+      <p:sp>
+        <p:nvSpPr>
+          <p:cNvPr id="4" name="Content Placeholder 3"/>
+          <p:cNvSpPr>
+            <a:spLocks noGrp="1"/>
+          </p:cNvSpPr>
+          <p:nvPr>
+            <p:ph sz="half" idx="2"/>
+          </p:nvPr>
+        </p:nvSpPr>
+        <p:spPr/>
+        <p:txBody>
+          <a:bodyPr>
+            <a:normAutofit fontScale="92500"/>
+          </a:bodyPr>
+          <a:lstStyle/>
+          <a:p>
+            <a:r>
+              <a:rPr lang="en-US" dirty="0"/>
+              <a:t>Areas of further interest</a:t>
+            </a:r>
+          </a:p>
+          <a:p>
+            <a:pPr lvl="1"/>
+            <a:r>
+              <a:rPr lang="en-US" dirty="0"/>
+              <a:t>Extent and manner of affect of sleep on symptoms</a:t>
+            </a:r>
+          </a:p>
+          <a:p>
+            <a:pPr lvl="1"/>
+            <a:r>
+              <a:rPr lang="en-US" dirty="0"/>
+              <a:t>Amount of exercise that improves symptoms in the long term</a:t>
+            </a:r>
+          </a:p>
+          <a:p>
+            <a:pPr lvl="1"/>
+            <a:r>
+              <a:rPr lang="en-US" dirty="0"/>
+              <a:t>Amount of exercise that exacerbates symptoms in the short term</a:t>
+            </a:r>
+          </a:p>
+          <a:p>
+            <a:pPr lvl="1"/>
+            <a:r>
+              <a:rPr lang="en-US" dirty="0"/>
+              <a:t>Affect of different types of food on symptoms</a:t>
+            </a:r>
+          </a:p>
+          <a:p>
+            <a:pPr lvl="1"/>
+            <a:r>
+              <a:rPr lang="en-US" dirty="0"/>
+              <a:t>Affect of the weather on symptoms</a:t>
+            </a:r>
+          </a:p>
+          <a:p>
+            <a:endParaRPr lang="en-US" dirty="0"/>
+          </a:p>
+        </p:txBody>
+      </p:sp>
+    </p:spTree>
+    <p:extLst>
+      <p:ext uri="{BB962C8B-B14F-4D97-AF65-F5344CB8AC3E}">
+        <p14:creationId xmlns:p14="http://schemas.microsoft.com/office/powerpoint/2010/main" val="3736896701"/>
+      </p:ext>
+    </p:extLst>
+  </p:cSld>
+  <p:clrMapOvr>
+    <a:masterClrMapping/>
+  </p:clrMapOvr>
+</p:sld>
+</file>
+
+<file path=ppt/slides/slide6.xml><?xml version="1.0" encoding="utf-8"?>
+<p:sld xmlns:a="http://schemas.openxmlformats.org/drawingml/2006/main" xmlns:r="http://schemas.openxmlformats.org/officeDocument/2006/relationships" xmlns:p="http://schemas.openxmlformats.org/presentationml/2006/main">
+  <p:cSld>
+    <p:spTree>
+      <p:nvGrpSpPr>
+        <p:cNvPr id="1" name=""/>
+        <p:cNvGrpSpPr/>
+        <p:nvPr/>
+      </p:nvGrpSpPr>
+      <p:grpSpPr>
+        <a:xfrm>
+          <a:off x="0" y="0"/>
+          <a:ext cx="0" cy="0"/>
+          <a:chOff x="0" y="0"/>
+          <a:chExt cx="0" cy="0"/>
+        </a:xfrm>
+      </p:grpSpPr>
+      <p:sp>
+        <p:nvSpPr>
+          <p:cNvPr id="2" name="Title 1"/>
+          <p:cNvSpPr>
+            <a:spLocks noGrp="1"/>
+          </p:cNvSpPr>
+          <p:nvPr>
+            <p:ph type="title"/>
+          </p:nvPr>
+        </p:nvSpPr>
+        <p:spPr/>
+        <p:txBody>
+          <a:bodyPr/>
+          <a:lstStyle/>
+          <a:p>
+            <a:r>
+              <a:rPr lang="en-US" dirty="0"/>
+              <a:t>Background cont.</a:t>
+            </a:r>
+          </a:p>
+        </p:txBody>
+      </p:sp>
+      <p:sp>
+        <p:nvSpPr>
+          <p:cNvPr id="3" name="Content Placeholder 2"/>
+          <p:cNvSpPr>
+            <a:spLocks noGrp="1"/>
+          </p:cNvSpPr>
+          <p:nvPr>
+            <p:ph sz="half" idx="1"/>
+          </p:nvPr>
+        </p:nvSpPr>
+        <p:spPr/>
+        <p:txBody>
+          <a:bodyPr>
+            <a:normAutofit lnSpcReduction="10000"/>
+          </a:bodyPr>
+          <a:lstStyle/>
+          <a:p>
+            <a:r>
+              <a:rPr lang="en-US" dirty="0"/>
+              <a:t>Fitbit Charge HR obtained May 2015</a:t>
+            </a:r>
+          </a:p>
+          <a:p>
+            <a:r>
+              <a:rPr lang="en-US" dirty="0"/>
+              <a:t>Improvements over cheap real-time only monitoring</a:t>
+            </a:r>
+          </a:p>
+          <a:p>
+            <a:pPr lvl="1"/>
+            <a:r>
+              <a:rPr lang="en-US" dirty="0"/>
+              <a:t>Recorded HR at a granularity of several measurements per second</a:t>
+            </a:r>
+          </a:p>
+          <a:p>
+            <a:pPr lvl="1"/>
+            <a:r>
+              <a:rPr lang="en-US" dirty="0"/>
+              <a:t>Sleep monitoring that records on a minute by minute basis</a:t>
+            </a:r>
+          </a:p>
+          <a:p>
+            <a:pPr lvl="1"/>
+            <a:r>
+              <a:rPr lang="en-US" dirty="0"/>
+              <a:t>Step counts to indicate activity levels</a:t>
+            </a:r>
+          </a:p>
+          <a:p>
+            <a:pPr lvl="1"/>
+            <a:r>
+              <a:rPr lang="en-US" dirty="0"/>
+              <a:t>Nutrition logging capability</a:t>
+            </a:r>
+          </a:p>
+          <a:p>
+            <a:endParaRPr lang="en-US" dirty="0"/>
+          </a:p>
+        </p:txBody>
+      </p:sp>
+      <p:sp>
+        <p:nvSpPr>
+          <p:cNvPr id="4" name="Content Placeholder 3"/>
+          <p:cNvSpPr>
+            <a:spLocks noGrp="1"/>
+          </p:cNvSpPr>
+          <p:nvPr>
+            <p:ph sz="half" idx="2"/>
+          </p:nvPr>
+        </p:nvSpPr>
+        <p:spPr/>
+        <p:txBody>
+          <a:bodyPr>
+            <a:normAutofit lnSpcReduction="10000"/>
+          </a:bodyPr>
+          <a:lstStyle/>
+          <a:p>
+            <a:endParaRPr lang="en-US" dirty="0"/>
+          </a:p>
+        </p:txBody>
+      </p:sp>
+    </p:spTree>
+    <p:extLst>
+      <p:ext uri="{BB962C8B-B14F-4D97-AF65-F5344CB8AC3E}">
+        <p14:creationId xmlns:p14="http://schemas.microsoft.com/office/powerpoint/2010/main" val="1062712770"/>
+      </p:ext>
+    </p:extLst>
+  </p:cSld>
+  <p:clrMapOvr>
+    <a:masterClrMapping/>
+  </p:clrMapOvr>
+</p:sld>
+</file>
+
+<file path=ppt/slides/slide7.xml><?xml version="1.0" encoding="utf-8"?>
+<p:sld xmlns:a="http://schemas.openxmlformats.org/drawingml/2006/main" xmlns:r="http://schemas.openxmlformats.org/officeDocument/2006/relationships" xmlns:p="http://schemas.openxmlformats.org/presentationml/2006/main">
+  <p:cSld>
+    <p:spTree>
+      <p:nvGrpSpPr>
+        <p:cNvPr id="1" name=""/>
+        <p:cNvGrpSpPr/>
+        <p:nvPr/>
+      </p:nvGrpSpPr>
+      <p:grpSpPr>
+        <a:xfrm>
+          <a:off x="0" y="0"/>
+          <a:ext cx="0" cy="0"/>
+          <a:chOff x="0" y="0"/>
+          <a:chExt cx="0" cy="0"/>
+        </a:xfrm>
+      </p:grpSpPr>
+      <p:sp>
+        <p:nvSpPr>
+          <p:cNvPr id="2" name="Title 1"/>
+          <p:cNvSpPr>
+            <a:spLocks noGrp="1"/>
+          </p:cNvSpPr>
+          <p:nvPr>
+            <p:ph type="title"/>
+          </p:nvPr>
+        </p:nvSpPr>
+        <p:spPr/>
+        <p:txBody>
+          <a:bodyPr/>
+          <a:lstStyle/>
+          <a:p>
+            <a:r>
+              <a:rPr lang="en-US" dirty="0"/>
+              <a:t>Introduction</a:t>
             </a:r>
           </a:p>
         </p:txBody>
@@ -7920,98 +9002,31 @@
         </p:spPr>
         <p:txBody>
           <a:bodyPr>
-            <a:normAutofit fontScale="92500" lnSpcReduction="20000"/>
+            <a:normAutofit/>
           </a:bodyPr>
           <a:lstStyle/>
           <a:p>
             <a:r>
               <a:rPr lang="en-US" dirty="0"/>
-              <a:t>Symptoms</a:t>
-            </a:r>
-          </a:p>
-          <a:p>
-            <a:pPr lvl="1"/>
-            <a:r>
-              <a:rPr lang="en-US" dirty="0"/>
-              <a:t>Palpitations</a:t>
-            </a:r>
-          </a:p>
-          <a:p>
-            <a:pPr lvl="1"/>
-            <a:r>
-              <a:rPr lang="en-US" dirty="0"/>
-              <a:t>Chest pain</a:t>
-            </a:r>
-          </a:p>
-          <a:p>
-            <a:pPr lvl="1"/>
-            <a:r>
-              <a:rPr lang="en-US" dirty="0"/>
-              <a:t>Dyspnea</a:t>
-            </a:r>
-          </a:p>
-          <a:p>
-            <a:pPr lvl="1"/>
-            <a:r>
-              <a:rPr lang="en-US" dirty="0"/>
-              <a:t>Mental clouding/brain fog</a:t>
-            </a:r>
-          </a:p>
-          <a:p>
-            <a:pPr lvl="1"/>
-            <a:r>
-              <a:rPr lang="en-US" dirty="0"/>
-              <a:t>Difficulties with concentration</a:t>
-            </a:r>
-          </a:p>
-          <a:p>
-            <a:pPr lvl="1"/>
-            <a:r>
-              <a:rPr lang="en-US" dirty="0"/>
-              <a:t>Lightheadedness, </a:t>
-            </a:r>
-            <a:r>
-              <a:rPr lang="en-US" dirty="0" err="1"/>
-              <a:t>presyncope</a:t>
-            </a:r>
-            <a:r>
-              <a:rPr lang="en-US" dirty="0"/>
-              <a:t>, and syncope (fainting)</a:t>
-            </a:r>
-          </a:p>
-          <a:p>
-            <a:pPr lvl="1"/>
-            <a:r>
-              <a:rPr lang="en-US" dirty="0"/>
-              <a:t>Fatigue</a:t>
-            </a:r>
-          </a:p>
-          <a:p>
-            <a:pPr lvl="1"/>
-            <a:r>
-              <a:rPr lang="en-US" dirty="0"/>
-              <a:t>Exercise intolerance</a:t>
-            </a:r>
-          </a:p>
-          <a:p>
-            <a:pPr lvl="1"/>
-            <a:r>
-              <a:rPr lang="en-US" dirty="0"/>
-              <a:t>Nausea</a:t>
-            </a:r>
-          </a:p>
-          <a:p>
-            <a:pPr lvl="1"/>
-            <a:r>
-              <a:rPr lang="en-US" dirty="0"/>
-              <a:t>Blurred or tunnel vision</a:t>
-            </a:r>
-          </a:p>
-          <a:p>
-            <a:pPr lvl="1"/>
-            <a:r>
-              <a:rPr lang="en-US" dirty="0"/>
-              <a:t>Sleep problems</a:t>
+              <a:t>Non lethal</a:t>
+            </a:r>
+          </a:p>
+          <a:p>
+            <a:r>
+              <a:rPr lang="en-US" dirty="0"/>
+              <a:t>Symptoms are easy to dismiss as psychological or not serious</a:t>
+            </a:r>
+          </a:p>
+          <a:p>
+            <a:r>
+              <a:rPr lang="en-US" dirty="0"/>
+              <a:t>Frequently misdiagnosed (average time to correct diagnosis is 6 years)</a:t>
+            </a:r>
+          </a:p>
+          <a:p>
+            <a:r>
+              <a:rPr lang="en-US" dirty="0"/>
+              <a:t>Underlying physiology not well understood</a:t>
             </a:r>
           </a:p>
           <a:p>
@@ -8040,48 +9055,27 @@
         </p:spPr>
         <p:txBody>
           <a:bodyPr>
-            <a:normAutofit fontScale="92500" lnSpcReduction="20000"/>
+            <a:normAutofit/>
           </a:bodyPr>
           <a:lstStyle/>
           <a:p>
             <a:r>
               <a:rPr lang="en-US" dirty="0"/>
-              <a:t>Causes</a:t>
+              <a:t>Known symptom triggers</a:t>
             </a:r>
           </a:p>
           <a:p>
             <a:pPr lvl="1"/>
             <a:r>
               <a:rPr lang="en-US" dirty="0"/>
-              <a:t>Postural changes:</a:t>
-            </a:r>
-          </a:p>
-          <a:p>
-            <a:pPr lvl="2"/>
-            <a:r>
-              <a:rPr lang="en-US" dirty="0"/>
-              <a:t>Supine</a:t>
-            </a:r>
-          </a:p>
-          <a:p>
-            <a:pPr lvl="2"/>
-            <a:r>
-              <a:rPr lang="en-US" dirty="0"/>
-              <a:t>Sitting</a:t>
-            </a:r>
-          </a:p>
-          <a:p>
-            <a:pPr lvl="2"/>
-            <a:r>
-              <a:rPr lang="en-US" dirty="0"/>
-              <a:t>Standing</a:t>
+              <a:t>Postural changes (moving between laying down, sitting, and standing)</a:t>
             </a:r>
           </a:p>
           <a:p>
             <a:pPr lvl="1"/>
             <a:r>
               <a:rPr lang="en-US" dirty="0"/>
-              <a:t>Poor quality or quantity of sleep</a:t>
+              <a:t>Poor sleep</a:t>
             </a:r>
           </a:p>
           <a:p>
@@ -8095,19 +9089,21 @@
             <a:pPr lvl="1"/>
             <a:r>
               <a:rPr lang="en-US" dirty="0"/>
-              <a:t>Poorly understood chemical changes, sensitivity, excess, </a:t>
-            </a:r>
-            <a:r>
-              <a:rPr lang="en-US" dirty="0" err="1"/>
-              <a:t>etc</a:t>
-            </a:r>
-            <a:endParaRPr lang="en-US" dirty="0"/>
+              <a:t>Dehydration</a:t>
+            </a:r>
           </a:p>
           <a:p>
             <a:pPr lvl="1"/>
             <a:r>
               <a:rPr lang="en-US" dirty="0"/>
-              <a:t>Lots of unknown factors</a:t>
+              <a:t>Potential genetic mutation</a:t>
+            </a:r>
+          </a:p>
+          <a:p>
+            <a:pPr lvl="1"/>
+            <a:r>
+              <a:rPr lang="en-US" dirty="0"/>
+              <a:t>Potential angiotensin II relation</a:t>
             </a:r>
           </a:p>
           <a:p>
@@ -8306,11 +9302,7 @@
             </a:pPr>
             <a:r>
               <a:rPr lang="en-US" dirty="0"/>
-              <a:t>Postural Orthostatic Tachycardia Syndrome (POTS): </a:t>
-            </a:r>
-            <a:r>
-              <a:rPr lang="en-US" dirty="0"/>
-              <a:t>An excessive increase in heart rate (HR &gt;= 30 beats/min) with up right posture in the absence of orthostatic hypotension</a:t>
+              <a:t>Postural Orthostatic Tachycardia Syndrome (POTS): An excessive increase in heart rate (HR &gt;= 30 beats/min) with up right posture in the absence of orthostatic hypotension</a:t>
             </a:r>
           </a:p>
           <a:p>
@@ -8335,7 +9327,7 @@
 </p:sld>
 </file>
 
-<file path=ppt/slides/slide4.xml><?xml version="1.0" encoding="utf-8"?>
+<file path=ppt/slides/slide8.xml><?xml version="1.0" encoding="utf-8"?>
 <p:sld xmlns:a="http://schemas.openxmlformats.org/drawingml/2006/main" xmlns:r="http://schemas.openxmlformats.org/officeDocument/2006/relationships" xmlns:p="http://schemas.openxmlformats.org/presentationml/2006/main">
   <p:cSld>
     <p:spTree>
@@ -8387,19 +9379,79 @@
         <p:spPr/>
         <p:txBody>
           <a:bodyPr>
-            <a:normAutofit lnSpcReduction="10000"/>
+            <a:normAutofit fontScale="92500"/>
           </a:bodyPr>
           <a:lstStyle/>
           <a:p>
             <a:r>
               <a:rPr lang="en-US" dirty="0"/>
-              <a:t>Vitals and activity levels from commercially available devices like Apple, Google, Fitbit, jawbone, </a:t>
-            </a:r>
-            <a:r>
-              <a:rPr lang="en-US" dirty="0" err="1"/>
-              <a:t>etc</a:t>
-            </a:r>
-            <a:endParaRPr lang="en-US" dirty="0"/>
+              <a:t>Single patient observational study using the data from the Fitbit Charge HR</a:t>
+            </a:r>
+          </a:p>
+          <a:p>
+            <a:pPr lvl="1"/>
+            <a:r>
+              <a:rPr lang="en-US" dirty="0"/>
+              <a:t>Heart rate</a:t>
+            </a:r>
+          </a:p>
+          <a:p>
+            <a:pPr lvl="1"/>
+            <a:r>
+              <a:rPr lang="en-US" dirty="0"/>
+              <a:t>Sleep quality and quantity</a:t>
+            </a:r>
+          </a:p>
+          <a:p>
+            <a:pPr lvl="1"/>
+            <a:r>
+              <a:rPr lang="en-US" dirty="0"/>
+              <a:t>Activity level tracked using a pedometer</a:t>
+            </a:r>
+          </a:p>
+          <a:p>
+            <a:pPr lvl="1"/>
+            <a:r>
+              <a:rPr lang="en-US" dirty="0"/>
+              <a:t>Sporadic nutrition logging</a:t>
+            </a:r>
+          </a:p>
+          <a:p>
+            <a:pPr lvl="1"/>
+            <a:r>
+              <a:rPr lang="en-US" dirty="0"/>
+              <a:t>Generalized location data</a:t>
+            </a:r>
+          </a:p>
+        </p:txBody>
+      </p:sp>
+      <p:sp>
+        <p:nvSpPr>
+          <p:cNvPr id="4" name="Content Placeholder 3"/>
+          <p:cNvSpPr>
+            <a:spLocks noGrp="1"/>
+          </p:cNvSpPr>
+          <p:nvPr>
+            <p:ph sz="half" idx="2"/>
+          </p:nvPr>
+        </p:nvSpPr>
+        <p:spPr/>
+        <p:txBody>
+          <a:bodyPr>
+            <a:normAutofit fontScale="92500"/>
+          </a:bodyPr>
+          <a:lstStyle/>
+          <a:p>
+            <a:r>
+              <a:rPr lang="en-US" dirty="0"/>
+              <a:t>Also available are prior medical records</a:t>
+            </a:r>
+          </a:p>
+          <a:p>
+            <a:r>
+              <a:rPr lang="en-US" dirty="0"/>
+              <a:t>Insider knowledge of the condition, which may present both opportunities and challenges</a:t>
+            </a:r>
           </a:p>
           <a:p>
             <a:r>
@@ -8408,68 +9460,32 @@
             </a:r>
           </a:p>
           <a:p>
-            <a:r>
-              <a:rPr lang="en-US" dirty="0"/>
-              <a:t>Nutrition data from trackers, such as the devices listed above as well as other sites like </a:t>
-            </a:r>
-            <a:r>
-              <a:rPr lang="en-US" dirty="0" err="1"/>
-              <a:t>myfitnesspal</a:t>
-            </a:r>
-            <a:r>
-              <a:rPr lang="en-US" dirty="0"/>
-              <a:t>, </a:t>
-            </a:r>
-            <a:r>
-              <a:rPr lang="en-US" dirty="0" err="1"/>
-              <a:t>livestrong</a:t>
-            </a:r>
-            <a:r>
-              <a:rPr lang="en-US" dirty="0"/>
-              <a:t>, </a:t>
-            </a:r>
-            <a:r>
-              <a:rPr lang="en-US" dirty="0" err="1"/>
-              <a:t>loseit</a:t>
-            </a:r>
-            <a:r>
-              <a:rPr lang="en-US" dirty="0"/>
-              <a:t>, </a:t>
-            </a:r>
-            <a:r>
-              <a:rPr lang="en-US" dirty="0" err="1"/>
-              <a:t>etc</a:t>
-            </a:r>
-            <a:endParaRPr lang="en-US" dirty="0"/>
-          </a:p>
-        </p:txBody>
-      </p:sp>
-      <p:sp>
-        <p:nvSpPr>
-          <p:cNvPr id="4" name="Content Placeholder 3"/>
-          <p:cNvSpPr>
-            <a:spLocks noGrp="1"/>
-          </p:cNvSpPr>
-          <p:nvPr>
-            <p:ph sz="half" idx="2"/>
-          </p:nvPr>
-        </p:nvSpPr>
-        <p:spPr/>
-        <p:txBody>
-          <a:bodyPr>
-            <a:normAutofit lnSpcReduction="10000"/>
-          </a:bodyPr>
-          <a:lstStyle/>
-          <a:p>
-            <a:r>
-              <a:rPr lang="en-US" dirty="0"/>
-              <a:t>Surveys/history information from patients including demographic information, medications, </a:t>
-            </a:r>
-            <a:r>
-              <a:rPr lang="en-US" dirty="0" err="1"/>
-              <a:t>etc</a:t>
-            </a:r>
-            <a:endParaRPr lang="en-US" dirty="0"/>
+            <a:pPr lvl="1"/>
+            <a:r>
+              <a:rPr lang="en-US" dirty="0"/>
+              <a:t>Temperatures through out the day</a:t>
+            </a:r>
+          </a:p>
+          <a:p>
+            <a:pPr lvl="1"/>
+            <a:r>
+              <a:rPr lang="en-US" dirty="0"/>
+              <a:t>Barometric pressure</a:t>
+            </a:r>
+          </a:p>
+          <a:p>
+            <a:pPr lvl="1"/>
+            <a:r>
+              <a:rPr lang="en-US" dirty="0"/>
+              <a:t>Humidity</a:t>
+            </a:r>
+          </a:p>
+          <a:p>
+            <a:pPr lvl="1"/>
+            <a:r>
+              <a:rPr lang="en-US" dirty="0"/>
+              <a:t>Precipitation</a:t>
+            </a:r>
           </a:p>
         </p:txBody>
       </p:sp>
@@ -8486,7 +9502,7 @@
 </p:sld>
 </file>
 
-<file path=ppt/slides/slide5.xml><?xml version="1.0" encoding="utf-8"?>
+<file path=ppt/slides/slide9.xml><?xml version="1.0" encoding="utf-8"?>
 <p:sld xmlns:a="http://schemas.openxmlformats.org/drawingml/2006/main" xmlns:r="http://schemas.openxmlformats.org/officeDocument/2006/relationships" xmlns:p="http://schemas.openxmlformats.org/presentationml/2006/main">
   <p:cSld>
     <p:spTree>
@@ -8520,7 +9536,7 @@
           <a:p>
             <a:r>
               <a:rPr lang="en-US" dirty="0"/>
-              <a:t>Importance of Work</a:t>
+              <a:t>Data Science Approach</a:t>
             </a:r>
           </a:p>
         </p:txBody>
@@ -8537,21 +9553,10 @@
         </p:nvSpPr>
         <p:spPr/>
         <p:txBody>
-          <a:bodyPr>
-            <a:normAutofit/>
-          </a:bodyPr>
-          <a:lstStyle/>
-          <a:p>
-            <a:r>
-              <a:rPr lang="en-US" dirty="0"/>
-              <a:t>Help identify triggers to allow patients to avoid or anticipate symptoms</a:t>
-            </a:r>
-          </a:p>
-          <a:p>
-            <a:r>
-              <a:rPr lang="en-US" dirty="0"/>
-              <a:t>Proof of concept for the practical use of wearable technology in medical research</a:t>
-            </a:r>
+          <a:bodyPr/>
+          <a:lstStyle/>
+          <a:p>
+            <a:endParaRPr lang="en-US"/>
           </a:p>
         </p:txBody>
       </p:sp>
@@ -8567,137 +9572,17 @@
         </p:nvSpPr>
         <p:spPr/>
         <p:txBody>
-          <a:bodyPr>
-            <a:normAutofit/>
-          </a:bodyPr>
-          <a:lstStyle/>
-          <a:p>
-            <a:r>
-              <a:rPr lang="en-US" dirty="0"/>
-              <a:t>Proof of concept for using wearable technology to allow people to monitor their own health.</a:t>
-            </a:r>
-          </a:p>
-          <a:p>
-            <a:endParaRPr lang="en-US" dirty="0"/>
+          <a:bodyPr/>
+          <a:lstStyle/>
+          <a:p>
+            <a:endParaRPr lang="en-US"/>
           </a:p>
         </p:txBody>
       </p:sp>
     </p:spTree>
     <p:extLst>
       <p:ext uri="{BB962C8B-B14F-4D97-AF65-F5344CB8AC3E}">
-        <p14:creationId xmlns:p14="http://schemas.microsoft.com/office/powerpoint/2010/main" val="3013585068"/>
-      </p:ext>
-    </p:extLst>
-  </p:cSld>
-  <p:clrMapOvr>
-    <a:masterClrMapping/>
-  </p:clrMapOvr>
-</p:sld>
-</file>
-
-<file path=ppt/slides/slide6.xml><?xml version="1.0" encoding="utf-8"?>
-<p:sld xmlns:a="http://schemas.openxmlformats.org/drawingml/2006/main" xmlns:r="http://schemas.openxmlformats.org/officeDocument/2006/relationships" xmlns:p="http://schemas.openxmlformats.org/presentationml/2006/main">
-  <p:cSld>
-    <p:spTree>
-      <p:nvGrpSpPr>
-        <p:cNvPr id="1" name=""/>
-        <p:cNvGrpSpPr/>
-        <p:nvPr/>
-      </p:nvGrpSpPr>
-      <p:grpSpPr>
-        <a:xfrm>
-          <a:off x="0" y="0"/>
-          <a:ext cx="0" cy="0"/>
-          <a:chOff x="0" y="0"/>
-          <a:chExt cx="0" cy="0"/>
-        </a:xfrm>
-      </p:grpSpPr>
-      <p:sp>
-        <p:nvSpPr>
-          <p:cNvPr id="2" name="Title 1"/>
-          <p:cNvSpPr>
-            <a:spLocks noGrp="1"/>
-          </p:cNvSpPr>
-          <p:nvPr>
-            <p:ph type="title"/>
-          </p:nvPr>
-        </p:nvSpPr>
-        <p:spPr/>
-        <p:txBody>
-          <a:bodyPr/>
-          <a:lstStyle/>
-          <a:p>
-            <a:r>
-              <a:rPr lang="en-US" dirty="0"/>
-              <a:t>Plan</a:t>
-            </a:r>
-          </a:p>
-        </p:txBody>
-      </p:sp>
-      <p:sp>
-        <p:nvSpPr>
-          <p:cNvPr id="3" name="Content Placeholder 2"/>
-          <p:cNvSpPr>
-            <a:spLocks noGrp="1"/>
-          </p:cNvSpPr>
-          <p:nvPr>
-            <p:ph sz="half" idx="1"/>
-          </p:nvPr>
-        </p:nvSpPr>
-        <p:spPr/>
-        <p:txBody>
-          <a:bodyPr/>
-          <a:lstStyle/>
-          <a:p>
-            <a:r>
-              <a:rPr lang="en-US" dirty="0"/>
-              <a:t>Contact experts in the fields of wearable technology and POTS</a:t>
-            </a:r>
-          </a:p>
-          <a:p>
-            <a:r>
-              <a:rPr lang="en-US" dirty="0"/>
-              <a:t>Build app to capture data if necessary</a:t>
-            </a:r>
-          </a:p>
-          <a:p>
-            <a:r>
-              <a:rPr lang="en-US" dirty="0"/>
-              <a:t>Build parser to load data into a database </a:t>
-            </a:r>
-            <a:r>
-              <a:rPr lang="en-US"/>
-              <a:t>if necessary</a:t>
-            </a:r>
-          </a:p>
-          <a:p>
-            <a:endParaRPr lang="en-US" dirty="0"/>
-          </a:p>
-        </p:txBody>
-      </p:sp>
-      <p:sp>
-        <p:nvSpPr>
-          <p:cNvPr id="4" name="Content Placeholder 3"/>
-          <p:cNvSpPr>
-            <a:spLocks noGrp="1"/>
-          </p:cNvSpPr>
-          <p:nvPr>
-            <p:ph sz="half" idx="2"/>
-          </p:nvPr>
-        </p:nvSpPr>
-        <p:spPr/>
-        <p:txBody>
-          <a:bodyPr/>
-          <a:lstStyle/>
-          <a:p>
-            <a:endParaRPr lang="en-US"/>
-          </a:p>
-        </p:txBody>
-      </p:sp>
-    </p:spTree>
-    <p:extLst>
-      <p:ext uri="{BB962C8B-B14F-4D97-AF65-F5344CB8AC3E}">
-        <p14:creationId xmlns:p14="http://schemas.microsoft.com/office/powerpoint/2010/main" val="255266319"/>
+        <p14:creationId xmlns:p14="http://schemas.microsoft.com/office/powerpoint/2010/main" val="413408593"/>
       </p:ext>
     </p:extLst>
   </p:cSld>

--- a/Practicum 1 presentation.pptx
+++ b/Practicum 1 presentation.pptx
@@ -14,11 +14,16 @@
     <p:sldId id="258" r:id="rId8"/>
     <p:sldId id="259" r:id="rId9"/>
     <p:sldId id="268" r:id="rId10"/>
-    <p:sldId id="260" r:id="rId11"/>
-    <p:sldId id="265" r:id="rId12"/>
-    <p:sldId id="261" r:id="rId13"/>
-    <p:sldId id="266" r:id="rId14"/>
-    <p:sldId id="269" r:id="rId15"/>
+    <p:sldId id="270" r:id="rId11"/>
+    <p:sldId id="272" r:id="rId12"/>
+    <p:sldId id="275" r:id="rId13"/>
+    <p:sldId id="273" r:id="rId14"/>
+    <p:sldId id="274" r:id="rId15"/>
+    <p:sldId id="260" r:id="rId16"/>
+    <p:sldId id="265" r:id="rId17"/>
+    <p:sldId id="261" r:id="rId18"/>
+    <p:sldId id="266" r:id="rId19"/>
+    <p:sldId id="269" r:id="rId20"/>
   </p:sldIdLst>
   <p:sldSz cx="12192000" cy="6858000"/>
   <p:notesSz cx="6858000" cy="9144000"/>
@@ -7788,67 +7793,106 @@
           <a:p>
             <a:r>
               <a:rPr lang="en-US" dirty="0"/>
-              <a:t>Importance of Work</a:t>
-            </a:r>
-          </a:p>
-        </p:txBody>
-      </p:sp>
-      <p:sp>
-        <p:nvSpPr>
-          <p:cNvPr id="3" name="Content Placeholder 2"/>
-          <p:cNvSpPr>
-            <a:spLocks noGrp="1"/>
-          </p:cNvSpPr>
+              <a:t>Preliminary results</a:t>
+            </a:r>
+          </a:p>
+        </p:txBody>
+      </p:sp>
+      <p:pic>
+        <p:nvPicPr>
+          <p:cNvPr id="6" name="Content Placeholder 5"/>
+          <p:cNvPicPr>
+            <a:picLocks noGrp="1" noChangeAspect="1"/>
+          </p:cNvPicPr>
           <p:nvPr>
             <p:ph sz="half" idx="1"/>
           </p:nvPr>
-        </p:nvSpPr>
-        <p:spPr/>
-        <p:txBody>
-          <a:bodyPr>
-            <a:normAutofit/>
+        </p:nvPicPr>
+        <p:blipFill>
+          <a:blip r:embed="rId2"/>
+          <a:stretch>
+            <a:fillRect/>
+          </a:stretch>
+        </p:blipFill>
+        <p:spPr>
+          <a:xfrm>
+            <a:off x="417309" y="2887694"/>
+            <a:ext cx="3564756" cy="3327106"/>
+          </a:xfrm>
+        </p:spPr>
+      </p:pic>
+      <p:pic>
+        <p:nvPicPr>
+          <p:cNvPr id="8" name="Content Placeholder 7"/>
+          <p:cNvPicPr>
+            <a:picLocks noGrp="1" noChangeAspect="1"/>
+          </p:cNvPicPr>
+          <p:nvPr>
+            <p:ph sz="half" idx="2"/>
+          </p:nvPr>
+        </p:nvPicPr>
+        <p:blipFill>
+          <a:blip r:embed="rId3"/>
+          <a:stretch>
+            <a:fillRect/>
+          </a:stretch>
+        </p:blipFill>
+        <p:spPr>
+          <a:xfrm>
+            <a:off x="8107740" y="2877616"/>
+            <a:ext cx="3640564" cy="3337184"/>
+          </a:xfrm>
+        </p:spPr>
+      </p:pic>
+      <p:pic>
+        <p:nvPicPr>
+          <p:cNvPr id="10" name="Picture 9"/>
+          <p:cNvPicPr>
+            <a:picLocks noChangeAspect="1"/>
+          </p:cNvPicPr>
+          <p:nvPr/>
+        </p:nvPicPr>
+        <p:blipFill>
+          <a:blip r:embed="rId4"/>
+          <a:stretch>
+            <a:fillRect/>
+          </a:stretch>
+        </p:blipFill>
+        <p:spPr>
+          <a:xfrm>
+            <a:off x="4323260" y="2887694"/>
+            <a:ext cx="3496760" cy="3327106"/>
+          </a:xfrm>
+          <a:prstGeom prst="rect">
+            <a:avLst/>
+          </a:prstGeom>
+        </p:spPr>
+      </p:pic>
+      <p:sp>
+        <p:nvSpPr>
+          <p:cNvPr id="11" name="TextBox 10"/>
+          <p:cNvSpPr txBox="1"/>
+          <p:nvPr/>
+        </p:nvSpPr>
+        <p:spPr>
+          <a:xfrm>
+            <a:off x="798653" y="2176041"/>
+            <a:ext cx="8518967" cy="369332"/>
+          </a:xfrm>
+          <a:prstGeom prst="rect">
+            <a:avLst/>
+          </a:prstGeom>
+          <a:noFill/>
+        </p:spPr>
+        <p:txBody>
+          <a:bodyPr wrap="square" rtlCol="0">
+            <a:spAutoFit/>
           </a:bodyPr>
           <a:lstStyle/>
           <a:p>
             <a:r>
               <a:rPr lang="en-US" dirty="0"/>
-              <a:t>0.2% of the population is estimated to be affected by this condition – about 500,000 people in the US alone</a:t>
-            </a:r>
-          </a:p>
-          <a:p>
-            <a:r>
-              <a:rPr lang="en-US" dirty="0"/>
-              <a:t>25% of patients are disabled to the point of being unable to work</a:t>
-            </a:r>
-          </a:p>
-        </p:txBody>
-      </p:sp>
-      <p:sp>
-        <p:nvSpPr>
-          <p:cNvPr id="4" name="Content Placeholder 3"/>
-          <p:cNvSpPr>
-            <a:spLocks noGrp="1"/>
-          </p:cNvSpPr>
-          <p:nvPr>
-            <p:ph sz="half" idx="2"/>
-          </p:nvPr>
-        </p:nvSpPr>
-        <p:spPr/>
-        <p:txBody>
-          <a:bodyPr>
-            <a:normAutofit/>
-          </a:bodyPr>
-          <a:lstStyle/>
-          <a:p>
-            <a:r>
-              <a:rPr lang="en-US" dirty="0"/>
-              <a:t>Current treatment is limited to trial and error, and is poorly quantified – feeling better or worse without hard measurements</a:t>
-            </a:r>
-          </a:p>
-          <a:p>
-            <a:r>
-              <a:rPr lang="en-US" dirty="0"/>
-              <a:t>Current treatment has no long term studies on viability or effects – no FDA approved medication for this syndrome</a:t>
+              <a:t>Averages by day of week for heart rate in bpm, steps, and sleep in minutes</a:t>
             </a:r>
           </a:p>
         </p:txBody>
@@ -7856,7 +7900,7 @@
     </p:spTree>
     <p:extLst>
       <p:ext uri="{BB962C8B-B14F-4D97-AF65-F5344CB8AC3E}">
-        <p14:creationId xmlns:p14="http://schemas.microsoft.com/office/powerpoint/2010/main" val="3013585068"/>
+        <p14:creationId xmlns:p14="http://schemas.microsoft.com/office/powerpoint/2010/main" val="4000424421"/>
       </p:ext>
     </p:extLst>
   </p:cSld>
@@ -7883,84 +7927,103 @@
           <a:chExt cx="0" cy="0"/>
         </a:xfrm>
       </p:grpSpPr>
-      <p:sp>
-        <p:nvSpPr>
-          <p:cNvPr id="2" name="Title 1"/>
-          <p:cNvSpPr>
-            <a:spLocks noGrp="1"/>
-          </p:cNvSpPr>
-          <p:nvPr>
-            <p:ph type="title"/>
-          </p:nvPr>
-        </p:nvSpPr>
-        <p:spPr/>
-        <p:txBody>
-          <a:bodyPr/>
-          <a:lstStyle/>
-          <a:p>
-            <a:r>
-              <a:rPr lang="en-US" dirty="0"/>
-              <a:t>Importance of Work cont.</a:t>
-            </a:r>
-          </a:p>
-        </p:txBody>
-      </p:sp>
-      <p:sp>
-        <p:nvSpPr>
-          <p:cNvPr id="3" name="Content Placeholder 2"/>
-          <p:cNvSpPr>
-            <a:spLocks noGrp="1"/>
-          </p:cNvSpPr>
-          <p:nvPr>
-            <p:ph sz="half" idx="1"/>
-          </p:nvPr>
-        </p:nvSpPr>
-        <p:spPr/>
-        <p:txBody>
-          <a:bodyPr>
-            <a:normAutofit lnSpcReduction="10000"/>
+      <p:pic>
+        <p:nvPicPr>
+          <p:cNvPr id="2" name="Content Placeholder 5"/>
+          <p:cNvPicPr>
+            <a:picLocks noChangeAspect="1"/>
+          </p:cNvPicPr>
+          <p:nvPr/>
+        </p:nvPicPr>
+        <p:blipFill>
+          <a:blip r:embed="rId2"/>
+          <a:stretch>
+            <a:fillRect/>
+          </a:stretch>
+        </p:blipFill>
+        <p:spPr>
+          <a:xfrm>
+            <a:off x="630254" y="507713"/>
+            <a:ext cx="4489608" cy="2840171"/>
+          </a:xfrm>
+          <a:prstGeom prst="rect">
+            <a:avLst/>
+          </a:prstGeom>
+        </p:spPr>
+      </p:pic>
+      <p:pic>
+        <p:nvPicPr>
+          <p:cNvPr id="3" name="Content Placeholder 7"/>
+          <p:cNvPicPr>
+            <a:picLocks noChangeAspect="1"/>
+          </p:cNvPicPr>
+          <p:nvPr/>
+        </p:nvPicPr>
+        <p:blipFill>
+          <a:blip r:embed="rId3"/>
+          <a:stretch>
+            <a:fillRect/>
+          </a:stretch>
+        </p:blipFill>
+        <p:spPr>
+          <a:xfrm>
+            <a:off x="5680883" y="3495368"/>
+            <a:ext cx="4448441" cy="2775286"/>
+          </a:xfrm>
+          <a:prstGeom prst="rect">
+            <a:avLst/>
+          </a:prstGeom>
+        </p:spPr>
+      </p:pic>
+      <p:pic>
+        <p:nvPicPr>
+          <p:cNvPr id="4" name="Picture 3"/>
+          <p:cNvPicPr>
+            <a:picLocks noChangeAspect="1"/>
+          </p:cNvPicPr>
+          <p:nvPr/>
+        </p:nvPicPr>
+        <p:blipFill>
+          <a:blip r:embed="rId4"/>
+          <a:stretch>
+            <a:fillRect/>
+          </a:stretch>
+        </p:blipFill>
+        <p:spPr>
+          <a:xfrm>
+            <a:off x="659938" y="3486784"/>
+            <a:ext cx="4459924" cy="2763549"/>
+          </a:xfrm>
+          <a:prstGeom prst="rect">
+            <a:avLst/>
+          </a:prstGeom>
+        </p:spPr>
+      </p:pic>
+      <p:sp>
+        <p:nvSpPr>
+          <p:cNvPr id="5" name="TextBox 4"/>
+          <p:cNvSpPr txBox="1"/>
+          <p:nvPr/>
+        </p:nvSpPr>
+        <p:spPr>
+          <a:xfrm>
+            <a:off x="5545394" y="663677"/>
+            <a:ext cx="4527754" cy="923330"/>
+          </a:xfrm>
+          <a:prstGeom prst="rect">
+            <a:avLst/>
+          </a:prstGeom>
+          <a:noFill/>
+        </p:spPr>
+        <p:txBody>
+          <a:bodyPr wrap="square" rtlCol="0">
+            <a:spAutoFit/>
           </a:bodyPr>
           <a:lstStyle/>
           <a:p>
             <a:r>
               <a:rPr lang="en-US" dirty="0"/>
-              <a:t>Potential proof of concept</a:t>
-            </a:r>
-          </a:p>
-          <a:p>
-            <a:r>
-              <a:rPr lang="en-US" dirty="0"/>
-              <a:t>If observational and quantitative methods are proven viable using commercial wearable technology this technique could be expanded to medical experiments into medication</a:t>
-            </a:r>
-          </a:p>
-        </p:txBody>
-      </p:sp>
-      <p:sp>
-        <p:nvSpPr>
-          <p:cNvPr id="4" name="Content Placeholder 3"/>
-          <p:cNvSpPr>
-            <a:spLocks noGrp="1"/>
-          </p:cNvSpPr>
-          <p:nvPr>
-            <p:ph sz="half" idx="2"/>
-          </p:nvPr>
-        </p:nvSpPr>
-        <p:spPr/>
-        <p:txBody>
-          <a:bodyPr>
-            <a:normAutofit lnSpcReduction="10000"/>
-          </a:bodyPr>
-          <a:lstStyle/>
-          <a:p>
-            <a:r>
-              <a:rPr lang="en-US" dirty="0"/>
-              <a:t>If associations and patterns are identified and a model can be built to predict symptoms, these identified factors can be used to guide additional research into the underlying mechanisms</a:t>
-            </a:r>
-          </a:p>
-          <a:p>
-            <a:r>
-              <a:rPr lang="en-US" dirty="0"/>
-              <a:t>Potential cost saving method in conduction observational studies and research experiments</a:t>
+              <a:t>Box plots showing the averages per day of the week for heart rate by bpm, steps, and sleep by minute</a:t>
             </a:r>
           </a:p>
         </p:txBody>
@@ -7968,7 +8031,7 @@
     </p:spTree>
     <p:extLst>
       <p:ext uri="{BB962C8B-B14F-4D97-AF65-F5344CB8AC3E}">
-        <p14:creationId xmlns:p14="http://schemas.microsoft.com/office/powerpoint/2010/main" val="3325926129"/>
+        <p14:creationId xmlns:p14="http://schemas.microsoft.com/office/powerpoint/2010/main" val="3603667890"/>
       </p:ext>
     </p:extLst>
   </p:cSld>
@@ -7995,97 +8058,58 @@
           <a:chExt cx="0" cy="0"/>
         </a:xfrm>
       </p:grpSpPr>
-      <p:sp>
-        <p:nvSpPr>
-          <p:cNvPr id="2" name="Title 1"/>
-          <p:cNvSpPr>
-            <a:spLocks noGrp="1"/>
-          </p:cNvSpPr>
-          <p:nvPr>
-            <p:ph type="title"/>
-          </p:nvPr>
-        </p:nvSpPr>
-        <p:spPr/>
-        <p:txBody>
-          <a:bodyPr/>
-          <a:lstStyle/>
-          <a:p>
-            <a:r>
-              <a:rPr lang="en-US" dirty="0"/>
-              <a:t>Potential Challenges</a:t>
-            </a:r>
-          </a:p>
-        </p:txBody>
-      </p:sp>
-      <p:sp>
-        <p:nvSpPr>
-          <p:cNvPr id="3" name="Content Placeholder 2"/>
-          <p:cNvSpPr>
-            <a:spLocks noGrp="1"/>
-          </p:cNvSpPr>
-          <p:nvPr>
-            <p:ph sz="half" idx="1"/>
-          </p:nvPr>
-        </p:nvSpPr>
-        <p:spPr/>
-        <p:txBody>
-          <a:bodyPr/>
-          <a:lstStyle/>
-          <a:p>
-            <a:r>
-              <a:rPr lang="en-US" dirty="0"/>
-              <a:t>Accuracy</a:t>
-            </a:r>
-          </a:p>
-          <a:p>
-            <a:r>
-              <a:rPr lang="en-US" dirty="0"/>
-              <a:t>Missing data</a:t>
-            </a:r>
-          </a:p>
-          <a:p>
-            <a:r>
-              <a:rPr lang="en-US" dirty="0"/>
-              <a:t>Acceptance of the medical community</a:t>
-            </a:r>
-          </a:p>
-          <a:p>
-            <a:r>
-              <a:rPr lang="en-US" dirty="0"/>
-              <a:t>Limited scope – single patient study</a:t>
-            </a:r>
-          </a:p>
-          <a:p>
-            <a:r>
-              <a:rPr lang="en-US" dirty="0"/>
-              <a:t>Limited medical knowledge of the involved researchers</a:t>
-            </a:r>
-          </a:p>
-        </p:txBody>
-      </p:sp>
-      <p:sp>
-        <p:nvSpPr>
-          <p:cNvPr id="4" name="Content Placeholder 3"/>
-          <p:cNvSpPr>
-            <a:spLocks noGrp="1"/>
-          </p:cNvSpPr>
-          <p:nvPr>
-            <p:ph sz="half" idx="2"/>
-          </p:nvPr>
-        </p:nvSpPr>
-        <p:spPr/>
-        <p:txBody>
-          <a:bodyPr/>
-          <a:lstStyle/>
-          <a:p>
-            <a:endParaRPr lang="en-US" dirty="0"/>
-          </a:p>
-        </p:txBody>
-      </p:sp>
+      <p:pic>
+        <p:nvPicPr>
+          <p:cNvPr id="2" name="Content Placeholder 13"/>
+          <p:cNvPicPr>
+            <a:picLocks noChangeAspect="1"/>
+          </p:cNvPicPr>
+          <p:nvPr/>
+        </p:nvPicPr>
+        <p:blipFill>
+          <a:blip r:embed="rId2"/>
+          <a:stretch>
+            <a:fillRect/>
+          </a:stretch>
+        </p:blipFill>
+        <p:spPr>
+          <a:xfrm>
+            <a:off x="680321" y="2653973"/>
+            <a:ext cx="6397016" cy="3555097"/>
+          </a:xfrm>
+          <a:prstGeom prst="rect">
+            <a:avLst/>
+          </a:prstGeom>
+        </p:spPr>
+      </p:pic>
+      <p:pic>
+        <p:nvPicPr>
+          <p:cNvPr id="3" name="Content Placeholder 15"/>
+          <p:cNvPicPr>
+            <a:picLocks noChangeAspect="1"/>
+          </p:cNvPicPr>
+          <p:nvPr/>
+        </p:nvPicPr>
+        <p:blipFill>
+          <a:blip r:embed="rId3"/>
+          <a:stretch>
+            <a:fillRect/>
+          </a:stretch>
+        </p:blipFill>
+        <p:spPr>
+          <a:xfrm>
+            <a:off x="5872929" y="504507"/>
+            <a:ext cx="5904996" cy="3344822"/>
+          </a:xfrm>
+          <a:prstGeom prst="rect">
+            <a:avLst/>
+          </a:prstGeom>
+        </p:spPr>
+      </p:pic>
     </p:spTree>
     <p:extLst>
       <p:ext uri="{BB962C8B-B14F-4D97-AF65-F5344CB8AC3E}">
-        <p14:creationId xmlns:p14="http://schemas.microsoft.com/office/powerpoint/2010/main" val="255266319"/>
+        <p14:creationId xmlns:p14="http://schemas.microsoft.com/office/powerpoint/2010/main" val="2585235678"/>
       </p:ext>
     </p:extLst>
   </p:cSld>
@@ -8112,6 +8136,527 @@
           <a:chExt cx="0" cy="0"/>
         </a:xfrm>
       </p:grpSpPr>
+      <p:pic>
+        <p:nvPicPr>
+          <p:cNvPr id="3" name="Picture 2"/>
+          <p:cNvPicPr>
+            <a:picLocks noChangeAspect="1"/>
+          </p:cNvPicPr>
+          <p:nvPr/>
+        </p:nvPicPr>
+        <p:blipFill>
+          <a:blip r:embed="rId2"/>
+          <a:stretch>
+            <a:fillRect/>
+          </a:stretch>
+        </p:blipFill>
+        <p:spPr>
+          <a:xfrm>
+            <a:off x="3223263" y="933983"/>
+            <a:ext cx="5379720" cy="1038490"/>
+          </a:xfrm>
+          <a:prstGeom prst="rect">
+            <a:avLst/>
+          </a:prstGeom>
+        </p:spPr>
+      </p:pic>
+      <p:pic>
+        <p:nvPicPr>
+          <p:cNvPr id="5" name="Picture 4"/>
+          <p:cNvPicPr>
+            <a:picLocks noChangeAspect="1"/>
+          </p:cNvPicPr>
+          <p:nvPr/>
+        </p:nvPicPr>
+        <p:blipFill>
+          <a:blip r:embed="rId3"/>
+          <a:stretch>
+            <a:fillRect/>
+          </a:stretch>
+        </p:blipFill>
+        <p:spPr>
+          <a:xfrm>
+            <a:off x="6125496" y="2432679"/>
+            <a:ext cx="5474970" cy="3440430"/>
+          </a:xfrm>
+          <a:prstGeom prst="rect">
+            <a:avLst/>
+          </a:prstGeom>
+        </p:spPr>
+      </p:pic>
+      <p:pic>
+        <p:nvPicPr>
+          <p:cNvPr id="7" name="Picture 6"/>
+          <p:cNvPicPr>
+            <a:picLocks noChangeAspect="1"/>
+          </p:cNvPicPr>
+          <p:nvPr/>
+        </p:nvPicPr>
+        <p:blipFill>
+          <a:blip r:embed="rId4"/>
+          <a:stretch>
+            <a:fillRect/>
+          </a:stretch>
+        </p:blipFill>
+        <p:spPr>
+          <a:xfrm>
+            <a:off x="533403" y="2432679"/>
+            <a:ext cx="5379720" cy="3448050"/>
+          </a:xfrm>
+          <a:prstGeom prst="rect">
+            <a:avLst/>
+          </a:prstGeom>
+        </p:spPr>
+      </p:pic>
+    </p:spTree>
+    <p:extLst>
+      <p:ext uri="{BB962C8B-B14F-4D97-AF65-F5344CB8AC3E}">
+        <p14:creationId xmlns:p14="http://schemas.microsoft.com/office/powerpoint/2010/main" val="4260902383"/>
+      </p:ext>
+    </p:extLst>
+  </p:cSld>
+  <p:clrMapOvr>
+    <a:masterClrMapping/>
+  </p:clrMapOvr>
+</p:sld>
+</file>
+
+<file path=ppt/slides/slide14.xml><?xml version="1.0" encoding="utf-8"?>
+<p:sld xmlns:a="http://schemas.openxmlformats.org/drawingml/2006/main" xmlns:r="http://schemas.openxmlformats.org/officeDocument/2006/relationships" xmlns:p="http://schemas.openxmlformats.org/presentationml/2006/main">
+  <p:cSld>
+    <p:spTree>
+      <p:nvGrpSpPr>
+        <p:cNvPr id="1" name=""/>
+        <p:cNvGrpSpPr/>
+        <p:nvPr/>
+      </p:nvGrpSpPr>
+      <p:grpSpPr>
+        <a:xfrm>
+          <a:off x="0" y="0"/>
+          <a:ext cx="0" cy="0"/>
+          <a:chOff x="0" y="0"/>
+          <a:chExt cx="0" cy="0"/>
+        </a:xfrm>
+      </p:grpSpPr>
+      <p:pic>
+        <p:nvPicPr>
+          <p:cNvPr id="3" name="Picture 2"/>
+          <p:cNvPicPr>
+            <a:picLocks noChangeAspect="1"/>
+          </p:cNvPicPr>
+          <p:nvPr/>
+        </p:nvPicPr>
+        <p:blipFill>
+          <a:blip r:embed="rId2"/>
+          <a:stretch>
+            <a:fillRect/>
+          </a:stretch>
+        </p:blipFill>
+        <p:spPr>
+          <a:xfrm>
+            <a:off x="6187318" y="2831567"/>
+            <a:ext cx="5539740" cy="3436620"/>
+          </a:xfrm>
+          <a:prstGeom prst="rect">
+            <a:avLst/>
+          </a:prstGeom>
+        </p:spPr>
+      </p:pic>
+      <p:pic>
+        <p:nvPicPr>
+          <p:cNvPr id="5" name="Picture 4"/>
+          <p:cNvPicPr>
+            <a:picLocks noChangeAspect="1"/>
+          </p:cNvPicPr>
+          <p:nvPr/>
+        </p:nvPicPr>
+        <p:blipFill>
+          <a:blip r:embed="rId3"/>
+          <a:stretch>
+            <a:fillRect/>
+          </a:stretch>
+        </p:blipFill>
+        <p:spPr>
+          <a:xfrm>
+            <a:off x="412095" y="448164"/>
+            <a:ext cx="5524500" cy="3459480"/>
+          </a:xfrm>
+          <a:prstGeom prst="rect">
+            <a:avLst/>
+          </a:prstGeom>
+        </p:spPr>
+      </p:pic>
+    </p:spTree>
+    <p:extLst>
+      <p:ext uri="{BB962C8B-B14F-4D97-AF65-F5344CB8AC3E}">
+        <p14:creationId xmlns:p14="http://schemas.microsoft.com/office/powerpoint/2010/main" val="3754812156"/>
+      </p:ext>
+    </p:extLst>
+  </p:cSld>
+  <p:clrMapOvr>
+    <a:masterClrMapping/>
+  </p:clrMapOvr>
+</p:sld>
+</file>
+
+<file path=ppt/slides/slide15.xml><?xml version="1.0" encoding="utf-8"?>
+<p:sld xmlns:a="http://schemas.openxmlformats.org/drawingml/2006/main" xmlns:r="http://schemas.openxmlformats.org/officeDocument/2006/relationships" xmlns:p="http://schemas.openxmlformats.org/presentationml/2006/main">
+  <p:cSld>
+    <p:spTree>
+      <p:nvGrpSpPr>
+        <p:cNvPr id="1" name=""/>
+        <p:cNvGrpSpPr/>
+        <p:nvPr/>
+      </p:nvGrpSpPr>
+      <p:grpSpPr>
+        <a:xfrm>
+          <a:off x="0" y="0"/>
+          <a:ext cx="0" cy="0"/>
+          <a:chOff x="0" y="0"/>
+          <a:chExt cx="0" cy="0"/>
+        </a:xfrm>
+      </p:grpSpPr>
+      <p:sp>
+        <p:nvSpPr>
+          <p:cNvPr id="2" name="Title 1"/>
+          <p:cNvSpPr>
+            <a:spLocks noGrp="1"/>
+          </p:cNvSpPr>
+          <p:nvPr>
+            <p:ph type="title"/>
+          </p:nvPr>
+        </p:nvSpPr>
+        <p:spPr/>
+        <p:txBody>
+          <a:bodyPr/>
+          <a:lstStyle/>
+          <a:p>
+            <a:r>
+              <a:rPr lang="en-US" dirty="0"/>
+              <a:t>Importance of Work</a:t>
+            </a:r>
+          </a:p>
+        </p:txBody>
+      </p:sp>
+      <p:sp>
+        <p:nvSpPr>
+          <p:cNvPr id="3" name="Content Placeholder 2"/>
+          <p:cNvSpPr>
+            <a:spLocks noGrp="1"/>
+          </p:cNvSpPr>
+          <p:nvPr>
+            <p:ph sz="half" idx="1"/>
+          </p:nvPr>
+        </p:nvSpPr>
+        <p:spPr/>
+        <p:txBody>
+          <a:bodyPr>
+            <a:normAutofit/>
+          </a:bodyPr>
+          <a:lstStyle/>
+          <a:p>
+            <a:r>
+              <a:rPr lang="en-US" dirty="0"/>
+              <a:t>0.2% of the population is estimated to be affected by this condition – about 500,000 people in the US alone</a:t>
+            </a:r>
+          </a:p>
+          <a:p>
+            <a:r>
+              <a:rPr lang="en-US" dirty="0"/>
+              <a:t>25% of patients are disabled to the point of being unable to work</a:t>
+            </a:r>
+          </a:p>
+        </p:txBody>
+      </p:sp>
+      <p:sp>
+        <p:nvSpPr>
+          <p:cNvPr id="4" name="Content Placeholder 3"/>
+          <p:cNvSpPr>
+            <a:spLocks noGrp="1"/>
+          </p:cNvSpPr>
+          <p:nvPr>
+            <p:ph sz="half" idx="2"/>
+          </p:nvPr>
+        </p:nvSpPr>
+        <p:spPr/>
+        <p:txBody>
+          <a:bodyPr>
+            <a:normAutofit/>
+          </a:bodyPr>
+          <a:lstStyle/>
+          <a:p>
+            <a:r>
+              <a:rPr lang="en-US" dirty="0"/>
+              <a:t>Current treatment is limited to trial and error, and is poorly quantified – feeling better or worse without hard measurements</a:t>
+            </a:r>
+          </a:p>
+          <a:p>
+            <a:r>
+              <a:rPr lang="en-US" dirty="0"/>
+              <a:t>Current treatment has no long term studies on viability or effects – no FDA approved medication for this syndrome</a:t>
+            </a:r>
+          </a:p>
+        </p:txBody>
+      </p:sp>
+    </p:spTree>
+    <p:extLst>
+      <p:ext uri="{BB962C8B-B14F-4D97-AF65-F5344CB8AC3E}">
+        <p14:creationId xmlns:p14="http://schemas.microsoft.com/office/powerpoint/2010/main" val="3013585068"/>
+      </p:ext>
+    </p:extLst>
+  </p:cSld>
+  <p:clrMapOvr>
+    <a:masterClrMapping/>
+  </p:clrMapOvr>
+</p:sld>
+</file>
+
+<file path=ppt/slides/slide16.xml><?xml version="1.0" encoding="utf-8"?>
+<p:sld xmlns:a="http://schemas.openxmlformats.org/drawingml/2006/main" xmlns:r="http://schemas.openxmlformats.org/officeDocument/2006/relationships" xmlns:p="http://schemas.openxmlformats.org/presentationml/2006/main">
+  <p:cSld>
+    <p:spTree>
+      <p:nvGrpSpPr>
+        <p:cNvPr id="1" name=""/>
+        <p:cNvGrpSpPr/>
+        <p:nvPr/>
+      </p:nvGrpSpPr>
+      <p:grpSpPr>
+        <a:xfrm>
+          <a:off x="0" y="0"/>
+          <a:ext cx="0" cy="0"/>
+          <a:chOff x="0" y="0"/>
+          <a:chExt cx="0" cy="0"/>
+        </a:xfrm>
+      </p:grpSpPr>
+      <p:sp>
+        <p:nvSpPr>
+          <p:cNvPr id="2" name="Title 1"/>
+          <p:cNvSpPr>
+            <a:spLocks noGrp="1"/>
+          </p:cNvSpPr>
+          <p:nvPr>
+            <p:ph type="title"/>
+          </p:nvPr>
+        </p:nvSpPr>
+        <p:spPr/>
+        <p:txBody>
+          <a:bodyPr/>
+          <a:lstStyle/>
+          <a:p>
+            <a:r>
+              <a:rPr lang="en-US" dirty="0"/>
+              <a:t>Importance of Work cont.</a:t>
+            </a:r>
+          </a:p>
+        </p:txBody>
+      </p:sp>
+      <p:sp>
+        <p:nvSpPr>
+          <p:cNvPr id="3" name="Content Placeholder 2"/>
+          <p:cNvSpPr>
+            <a:spLocks noGrp="1"/>
+          </p:cNvSpPr>
+          <p:nvPr>
+            <p:ph sz="half" idx="1"/>
+          </p:nvPr>
+        </p:nvSpPr>
+        <p:spPr/>
+        <p:txBody>
+          <a:bodyPr>
+            <a:normAutofit lnSpcReduction="10000"/>
+          </a:bodyPr>
+          <a:lstStyle/>
+          <a:p>
+            <a:r>
+              <a:rPr lang="en-US" dirty="0"/>
+              <a:t>Potential proof of concept</a:t>
+            </a:r>
+          </a:p>
+          <a:p>
+            <a:r>
+              <a:rPr lang="en-US" dirty="0"/>
+              <a:t>If observational and quantitative methods are proven viable using commercial wearable technology this technique could be expanded to medical experiments into medication</a:t>
+            </a:r>
+          </a:p>
+        </p:txBody>
+      </p:sp>
+      <p:sp>
+        <p:nvSpPr>
+          <p:cNvPr id="4" name="Content Placeholder 3"/>
+          <p:cNvSpPr>
+            <a:spLocks noGrp="1"/>
+          </p:cNvSpPr>
+          <p:nvPr>
+            <p:ph sz="half" idx="2"/>
+          </p:nvPr>
+        </p:nvSpPr>
+        <p:spPr/>
+        <p:txBody>
+          <a:bodyPr>
+            <a:normAutofit lnSpcReduction="10000"/>
+          </a:bodyPr>
+          <a:lstStyle/>
+          <a:p>
+            <a:r>
+              <a:rPr lang="en-US" dirty="0"/>
+              <a:t>If associations and patterns are identified and a model can be built to predict symptoms, these identified factors can be used to guide additional research into the underlying mechanisms</a:t>
+            </a:r>
+          </a:p>
+          <a:p>
+            <a:r>
+              <a:rPr lang="en-US" dirty="0"/>
+              <a:t>Potential cost saving method in conduction observational studies and research experiments</a:t>
+            </a:r>
+          </a:p>
+        </p:txBody>
+      </p:sp>
+    </p:spTree>
+    <p:extLst>
+      <p:ext uri="{BB962C8B-B14F-4D97-AF65-F5344CB8AC3E}">
+        <p14:creationId xmlns:p14="http://schemas.microsoft.com/office/powerpoint/2010/main" val="3325926129"/>
+      </p:ext>
+    </p:extLst>
+  </p:cSld>
+  <p:clrMapOvr>
+    <a:masterClrMapping/>
+  </p:clrMapOvr>
+</p:sld>
+</file>
+
+<file path=ppt/slides/slide17.xml><?xml version="1.0" encoding="utf-8"?>
+<p:sld xmlns:a="http://schemas.openxmlformats.org/drawingml/2006/main" xmlns:r="http://schemas.openxmlformats.org/officeDocument/2006/relationships" xmlns:p="http://schemas.openxmlformats.org/presentationml/2006/main">
+  <p:cSld>
+    <p:spTree>
+      <p:nvGrpSpPr>
+        <p:cNvPr id="1" name=""/>
+        <p:cNvGrpSpPr/>
+        <p:nvPr/>
+      </p:nvGrpSpPr>
+      <p:grpSpPr>
+        <a:xfrm>
+          <a:off x="0" y="0"/>
+          <a:ext cx="0" cy="0"/>
+          <a:chOff x="0" y="0"/>
+          <a:chExt cx="0" cy="0"/>
+        </a:xfrm>
+      </p:grpSpPr>
+      <p:sp>
+        <p:nvSpPr>
+          <p:cNvPr id="2" name="Title 1"/>
+          <p:cNvSpPr>
+            <a:spLocks noGrp="1"/>
+          </p:cNvSpPr>
+          <p:nvPr>
+            <p:ph type="title"/>
+          </p:nvPr>
+        </p:nvSpPr>
+        <p:spPr/>
+        <p:txBody>
+          <a:bodyPr/>
+          <a:lstStyle/>
+          <a:p>
+            <a:r>
+              <a:rPr lang="en-US" dirty="0"/>
+              <a:t>Potential Challenges</a:t>
+            </a:r>
+          </a:p>
+        </p:txBody>
+      </p:sp>
+      <p:sp>
+        <p:nvSpPr>
+          <p:cNvPr id="3" name="Content Placeholder 2"/>
+          <p:cNvSpPr>
+            <a:spLocks noGrp="1"/>
+          </p:cNvSpPr>
+          <p:nvPr>
+            <p:ph sz="half" idx="1"/>
+          </p:nvPr>
+        </p:nvSpPr>
+        <p:spPr/>
+        <p:txBody>
+          <a:bodyPr/>
+          <a:lstStyle/>
+          <a:p>
+            <a:r>
+              <a:rPr lang="en-US" dirty="0"/>
+              <a:t>Accuracy</a:t>
+            </a:r>
+          </a:p>
+          <a:p>
+            <a:r>
+              <a:rPr lang="en-US" dirty="0"/>
+              <a:t>Missing data</a:t>
+            </a:r>
+          </a:p>
+          <a:p>
+            <a:r>
+              <a:rPr lang="en-US" dirty="0"/>
+              <a:t>Acceptance of the medical community</a:t>
+            </a:r>
+          </a:p>
+          <a:p>
+            <a:r>
+              <a:rPr lang="en-US" dirty="0"/>
+              <a:t>Limited scope – single patient study</a:t>
+            </a:r>
+          </a:p>
+          <a:p>
+            <a:r>
+              <a:rPr lang="en-US" dirty="0"/>
+              <a:t>Limited medical knowledge of the involved researchers</a:t>
+            </a:r>
+          </a:p>
+        </p:txBody>
+      </p:sp>
+      <p:sp>
+        <p:nvSpPr>
+          <p:cNvPr id="4" name="Content Placeholder 3"/>
+          <p:cNvSpPr>
+            <a:spLocks noGrp="1"/>
+          </p:cNvSpPr>
+          <p:nvPr>
+            <p:ph sz="half" idx="2"/>
+          </p:nvPr>
+        </p:nvSpPr>
+        <p:spPr/>
+        <p:txBody>
+          <a:bodyPr/>
+          <a:lstStyle/>
+          <a:p>
+            <a:endParaRPr lang="en-US" dirty="0"/>
+          </a:p>
+        </p:txBody>
+      </p:sp>
+    </p:spTree>
+    <p:extLst>
+      <p:ext uri="{BB962C8B-B14F-4D97-AF65-F5344CB8AC3E}">
+        <p14:creationId xmlns:p14="http://schemas.microsoft.com/office/powerpoint/2010/main" val="255266319"/>
+      </p:ext>
+    </p:extLst>
+  </p:cSld>
+  <p:clrMapOvr>
+    <a:masterClrMapping/>
+  </p:clrMapOvr>
+</p:sld>
+</file>
+
+<file path=ppt/slides/slide18.xml><?xml version="1.0" encoding="utf-8"?>
+<p:sld xmlns:a="http://schemas.openxmlformats.org/drawingml/2006/main" xmlns:r="http://schemas.openxmlformats.org/officeDocument/2006/relationships" xmlns:p="http://schemas.openxmlformats.org/presentationml/2006/main">
+  <p:cSld>
+    <p:spTree>
+      <p:nvGrpSpPr>
+        <p:cNvPr id="1" name=""/>
+        <p:cNvGrpSpPr/>
+        <p:nvPr/>
+      </p:nvGrpSpPr>
+      <p:grpSpPr>
+        <a:xfrm>
+          <a:off x="0" y="0"/>
+          <a:ext cx="0" cy="0"/>
+          <a:chOff x="0" y="0"/>
+          <a:chExt cx="0" cy="0"/>
+        </a:xfrm>
+      </p:grpSpPr>
       <p:sp>
         <p:nvSpPr>
           <p:cNvPr id="2" name="Title 1"/>
@@ -8228,7 +8773,7 @@
 </p:sld>
 </file>
 
-<file path=ppt/slides/slide14.xml><?xml version="1.0" encoding="utf-8"?>
+<file path=ppt/slides/slide19.xml><?xml version="1.0" encoding="utf-8"?>
 <p:sld xmlns:a="http://schemas.openxmlformats.org/drawingml/2006/main" xmlns:r="http://schemas.openxmlformats.org/officeDocument/2006/relationships" xmlns:p="http://schemas.openxmlformats.org/presentationml/2006/main">
   <p:cSld>
     <p:spTree>
@@ -8367,31 +8912,20 @@
             <p:ph sz="half" idx="1"/>
           </p:nvPr>
         </p:nvSpPr>
-        <p:spPr/>
+        <p:spPr>
+          <a:xfrm>
+            <a:off x="680320" y="2336873"/>
+            <a:ext cx="9748470" cy="3599316"/>
+          </a:xfrm>
+        </p:spPr>
         <p:txBody>
           <a:bodyPr/>
           <a:lstStyle/>
           <a:p>
+            <a:pPr marL="0" indent="0">
+              <a:buNone/>
+            </a:pPr>
             <a:endParaRPr lang="en-US" dirty="0"/>
-          </a:p>
-        </p:txBody>
-      </p:sp>
-      <p:sp>
-        <p:nvSpPr>
-          <p:cNvPr id="4" name="Content Placeholder 3"/>
-          <p:cNvSpPr>
-            <a:spLocks noGrp="1"/>
-          </p:cNvSpPr>
-          <p:nvPr>
-            <p:ph sz="half" idx="2"/>
-          </p:nvPr>
-        </p:nvSpPr>
-        <p:spPr/>
-        <p:txBody>
-          <a:bodyPr/>
-          <a:lstStyle/>
-          <a:p>
-            <a:endParaRPr lang="en-US"/>
           </a:p>
         </p:txBody>
       </p:sp>
@@ -9541,44 +10075,53 @@
           </a:p>
         </p:txBody>
       </p:sp>
-      <p:sp>
-        <p:nvSpPr>
-          <p:cNvPr id="3" name="Content Placeholder 2"/>
-          <p:cNvSpPr>
-            <a:spLocks noGrp="1"/>
-          </p:cNvSpPr>
+      <p:pic>
+        <p:nvPicPr>
+          <p:cNvPr id="10" name="Picture 9"/>
+          <p:cNvPicPr>
+            <a:picLocks noChangeAspect="1"/>
+          </p:cNvPicPr>
+          <p:nvPr/>
+        </p:nvPicPr>
+        <p:blipFill>
+          <a:blip r:embed="rId2"/>
+          <a:stretch>
+            <a:fillRect/>
+          </a:stretch>
+        </p:blipFill>
+        <p:spPr>
+          <a:xfrm>
+            <a:off x="4605976" y="2385141"/>
+            <a:ext cx="6587004" cy="3731139"/>
+          </a:xfrm>
+          <a:prstGeom prst="rect">
+            <a:avLst/>
+          </a:prstGeom>
+        </p:spPr>
+      </p:pic>
+      <p:pic>
+        <p:nvPicPr>
+          <p:cNvPr id="17" name="Content Placeholder 16"/>
+          <p:cNvPicPr>
+            <a:picLocks noGrp="1" noChangeAspect="1"/>
+          </p:cNvPicPr>
           <p:nvPr>
             <p:ph sz="half" idx="1"/>
           </p:nvPr>
-        </p:nvSpPr>
-        <p:spPr/>
-        <p:txBody>
-          <a:bodyPr/>
-          <a:lstStyle/>
-          <a:p>
-            <a:endParaRPr lang="en-US"/>
-          </a:p>
-        </p:txBody>
-      </p:sp>
-      <p:sp>
-        <p:nvSpPr>
-          <p:cNvPr id="4" name="Content Placeholder 3"/>
-          <p:cNvSpPr>
-            <a:spLocks noGrp="1"/>
-          </p:cNvSpPr>
-          <p:nvPr>
-            <p:ph sz="half" idx="2"/>
-          </p:nvPr>
-        </p:nvSpPr>
-        <p:spPr/>
-        <p:txBody>
-          <a:bodyPr/>
-          <a:lstStyle/>
-          <a:p>
-            <a:endParaRPr lang="en-US"/>
-          </a:p>
-        </p:txBody>
-      </p:sp>
+        </p:nvPicPr>
+        <p:blipFill>
+          <a:blip r:embed="rId3"/>
+          <a:stretch>
+            <a:fillRect/>
+          </a:stretch>
+        </p:blipFill>
+        <p:spPr>
+          <a:xfrm>
+            <a:off x="1397786" y="2385140"/>
+            <a:ext cx="2655882" cy="3731139"/>
+          </a:xfrm>
+        </p:spPr>
+      </p:pic>
     </p:spTree>
     <p:extLst>
       <p:ext uri="{BB962C8B-B14F-4D97-AF65-F5344CB8AC3E}">

--- a/Practicum 1 presentation.pptx
+++ b/Practicum 1 presentation.pptx
@@ -8822,31 +8822,26 @@
             <p:ph sz="half" idx="1"/>
           </p:nvPr>
         </p:nvSpPr>
-        <p:spPr/>
+        <p:spPr>
+          <a:xfrm>
+            <a:off x="680320" y="2336873"/>
+            <a:ext cx="9748470" cy="3599316"/>
+          </a:xfrm>
+        </p:spPr>
         <p:txBody>
           <a:bodyPr/>
           <a:lstStyle/>
           <a:p>
-            <a:endParaRPr lang="en-US"/>
-          </a:p>
-        </p:txBody>
-      </p:sp>
-      <p:sp>
-        <p:nvSpPr>
-          <p:cNvPr id="4" name="Content Placeholder 3"/>
-          <p:cNvSpPr>
-            <a:spLocks noGrp="1"/>
-          </p:cNvSpPr>
-          <p:nvPr>
-            <p:ph sz="half" idx="2"/>
-          </p:nvPr>
-        </p:nvSpPr>
-        <p:spPr/>
-        <p:txBody>
-          <a:bodyPr/>
-          <a:lstStyle/>
-          <a:p>
-            <a:endParaRPr lang="en-US"/>
+            <a:r>
+              <a:rPr lang="en-US" dirty="0"/>
+              <a:t>Wearable technology, statistical analysis, and machine learning provide a promising frontier for better understanding POTS.</a:t>
+            </a:r>
+          </a:p>
+          <a:p>
+            <a:r>
+              <a:rPr lang="en-US" dirty="0"/>
+              <a:t>Controlling for accuracy, these tools provide viable ways whereby patients and doctors can gauge physiological responses and severity of symptoms.</a:t>
+            </a:r>
           </a:p>
         </p:txBody>
       </p:sp>
@@ -8922,10 +8917,22 @@
           <a:bodyPr/>
           <a:lstStyle/>
           <a:p>
-            <a:pPr marL="0" indent="0">
-              <a:buNone/>
-            </a:pPr>
-            <a:endParaRPr lang="en-US" dirty="0"/>
+            <a:r>
+              <a:rPr lang="en-US" dirty="0"/>
+              <a:t>POTS is a poorly understood medical condition wherein 25% of patients are disabled from working.</a:t>
+            </a:r>
+          </a:p>
+          <a:p>
+            <a:r>
+              <a:rPr lang="en-US" dirty="0"/>
+              <a:t>There are few tools or quantitative measures whereby to gauge the severity of POTS, monitor symptoms, or track physiological response.</a:t>
+            </a:r>
+          </a:p>
+          <a:p>
+            <a:r>
+              <a:rPr lang="en-US" dirty="0"/>
+              <a:t>This project is to use a single patient study to determine the viability of using current wearable technology and machine learning to garner better insight into POTS.</a:t>
+            </a:r>
           </a:p>
         </p:txBody>
       </p:sp>

--- a/Practicum 1 presentation.pptx
+++ b/Practicum 1 presentation.pptx
@@ -7716,7 +7716,7 @@
             </a:br>
             <a:r>
               <a:rPr lang="en-US" sz="4400" b="1" dirty="0"/>
-              <a:t>to garner insight to POTS</a:t>
+              <a:t>to garner insight into POTS</a:t>
             </a:r>
             <a:endParaRPr lang="en-US" sz="4400" dirty="0">
               <a:effectLst/>
@@ -8919,7 +8919,7 @@
           <a:p>
             <a:r>
               <a:rPr lang="en-US" dirty="0"/>
-              <a:t>POTS is a poorly understood medical condition wherein 25% of patients are disabled from working.</a:t>
+              <a:t>Postural orthostatic tachycardia syndrome (POTS) is a poorly understood medical condition wherein 25% of patients are disabled from working.</a:t>
             </a:r>
           </a:p>
           <a:p>

--- a/Practicum 1 presentation.pptx
+++ b/Practicum 1 presentation.pptx
@@ -7736,13 +7736,36 @@
         </p:nvSpPr>
         <p:spPr/>
         <p:txBody>
-          <a:bodyPr/>
+          <a:bodyPr>
+            <a:normAutofit lnSpcReduction="10000"/>
+          </a:bodyPr>
           <a:lstStyle/>
           <a:p>
             <a:r>
               <a:rPr lang="en-US" dirty="0"/>
               <a:t>Julie Fisher and Brandon Harden</a:t>
             </a:r>
+          </a:p>
+          <a:p>
+            <a:r>
+              <a:rPr lang="en-US" dirty="0"/>
+              <a:t>Advisor </a:t>
+            </a:r>
+            <a:r>
+              <a:rPr lang="en-US" dirty="0" err="1"/>
+              <a:t>Dr</a:t>
+            </a:r>
+            <a:r>
+              <a:rPr lang="en-US" dirty="0"/>
+              <a:t> Todd Gary</a:t>
+            </a:r>
+          </a:p>
+          <a:p>
+            <a:r>
+              <a:rPr lang="en-US"/>
+              <a:t>Lipscomb University</a:t>
+            </a:r>
+            <a:endParaRPr lang="en-US" dirty="0"/>
           </a:p>
         </p:txBody>
       </p:sp>

--- a/Practicum 1 presentation.pptx
+++ b/Practicum 1 presentation.pptx
@@ -7737,7 +7737,7 @@
         <p:spPr/>
         <p:txBody>
           <a:bodyPr>
-            <a:normAutofit lnSpcReduction="10000"/>
+            <a:normAutofit fontScale="70000" lnSpcReduction="20000"/>
           </a:bodyPr>
           <a:lstStyle/>
           <a:p>
@@ -7748,24 +7748,25 @@
           </a:p>
           <a:p>
             <a:r>
-              <a:rPr lang="en-US" dirty="0"/>
-              <a:t>Advisor </a:t>
-            </a:r>
-            <a:r>
-              <a:rPr lang="en-US" dirty="0" err="1"/>
-              <a:t>Dr</a:t>
-            </a:r>
-            <a:r>
-              <a:rPr lang="en-US" dirty="0"/>
-              <a:t> Todd Gary</a:t>
-            </a:r>
-          </a:p>
-          <a:p>
-            <a:r>
               <a:rPr lang="en-US"/>
-              <a:t>Lipscomb University</a:t>
-            </a:r>
-            <a:endParaRPr lang="en-US" dirty="0"/>
+              <a:t>Advisor Dr. </a:t>
+            </a:r>
+            <a:r>
+              <a:rPr lang="en-US" dirty="0"/>
+              <a:t>Todd Gary</a:t>
+            </a:r>
+          </a:p>
+          <a:p>
+            <a:r>
+              <a:rPr lang="en-US" dirty="0"/>
+              <a:t>Lipscomb University College of Computing and Technology</a:t>
+            </a:r>
+          </a:p>
+          <a:p>
+            <a:r>
+              <a:rPr lang="en-US" dirty="0"/>
+              <a:t>July 2017</a:t>
+            </a:r>
           </a:p>
         </p:txBody>
       </p:sp>
